--- a/Fase 3/Evidencias Grupales/Presentación Final del proyecto (Español).pptx
+++ b/Fase 3/Evidencias Grupales/Presentación Final del proyecto (Español).pptx
@@ -5,7 +5,7 @@
     <p:sldMasterId id="2147483648" r:id="rId1"/>
   </p:sldMasterIdLst>
   <p:notesMasterIdLst>
-    <p:notesMasterId r:id="rId16"/>
+    <p:notesMasterId r:id="rId18"/>
   </p:notesMasterIdLst>
   <p:sldIdLst>
     <p:sldId id="256" r:id="rId2"/>
@@ -21,24 +21,26 @@
     <p:sldId id="266" r:id="rId12"/>
     <p:sldId id="269" r:id="rId13"/>
     <p:sldId id="267" r:id="rId14"/>
-    <p:sldId id="268" r:id="rId15"/>
+    <p:sldId id="272" r:id="rId15"/>
+    <p:sldId id="270" r:id="rId16"/>
+    <p:sldId id="271" r:id="rId17"/>
   </p:sldIdLst>
   <p:sldSz cx="12192000" cy="6858000"/>
   <p:notesSz cx="6858000" cy="9144000"/>
   <p:embeddedFontLst>
     <p:embeddedFont>
       <p:font typeface="Lato" panose="020F0502020204030203" pitchFamily="34" charset="0"/>
-      <p:regular r:id="rId17"/>
-      <p:bold r:id="rId18"/>
-      <p:italic r:id="rId19"/>
-      <p:boldItalic r:id="rId20"/>
+      <p:regular r:id="rId19"/>
+      <p:bold r:id="rId20"/>
+      <p:italic r:id="rId21"/>
+      <p:boldItalic r:id="rId22"/>
     </p:embeddedFont>
     <p:embeddedFont>
       <p:font typeface="Raleway" pitchFamily="2" charset="0"/>
-      <p:regular r:id="rId21"/>
-      <p:bold r:id="rId22"/>
-      <p:italic r:id="rId23"/>
-      <p:boldItalic r:id="rId24"/>
+      <p:regular r:id="rId23"/>
+      <p:bold r:id="rId24"/>
+      <p:italic r:id="rId25"/>
+      <p:boldItalic r:id="rId26"/>
     </p:embeddedFont>
   </p:embeddedFontLst>
   <p:defaultTextStyle>
@@ -275,7 +277,7 @@
       <p15:sldGuideLst xmlns:p15="http://schemas.microsoft.com/office/powerpoint/2012/main"/>
     </p:ext>
     <p:ext uri="GoogleSlidesCustomDataVersion2">
-      <go:slidesCustomData xmlns="" xmlns:mc="http://schemas.openxmlformats.org/markup-compatibility/2006" xmlns:mv="urn:schemas-microsoft-com:mac:vml" xmlns:c="http://schemas.openxmlformats.org/drawingml/2006/chart" xmlns:dgm="http://schemas.openxmlformats.org/drawingml/2006/diagram" xmlns:o="urn:schemas-microsoft-com:office:office" xmlns:v="urn:schemas-microsoft-com:vml" xmlns:pvml="urn:schemas-microsoft-com:office:powerpoint" xmlns:com="http://schemas.openxmlformats.org/drawingml/2006/compatibility" xmlns:p14="http://schemas.microsoft.com/office/powerpoint/2010/main" xmlns:p15="http://schemas.microsoft.com/office/powerpoint/2012/main" xmlns:ahyp="http://schemas.microsoft.com/office/drawing/2018/hyperlinkcolor" xmlns:go="http://customooxmlschemas.google.com/" r:id="rId27" roundtripDataSignature="AMtx7mjWNO5+6nN2t+5bYFRF1hghof9MuA=="/>
+      <go:slidesCustomData xmlns:go="http://customooxmlschemas.google.com/" xmlns:ahyp="http://schemas.microsoft.com/office/drawing/2018/hyperlinkcolor" xmlns:p15="http://schemas.microsoft.com/office/powerpoint/2012/main" xmlns:p14="http://schemas.microsoft.com/office/powerpoint/2010/main" xmlns:com="http://schemas.openxmlformats.org/drawingml/2006/compatibility" xmlns:pvml="urn:schemas-microsoft-com:office:powerpoint" xmlns:v="urn:schemas-microsoft-com:vml" xmlns:o="urn:schemas-microsoft-com:office:office" xmlns:dgm="http://schemas.openxmlformats.org/drawingml/2006/diagram" xmlns:c="http://schemas.openxmlformats.org/drawingml/2006/chart" xmlns:mv="urn:schemas-microsoft-com:mac:vml" xmlns:mc="http://schemas.openxmlformats.org/markup-compatibility/2006" xmlns="" r:id="rId27" roundtripDataSignature="AMtx7mjWNO5+6nN2t+5bYFRF1hghof9MuA=="/>
     </p:ext>
   </p:extLst>
 </p:presentation>
@@ -1366,7 +1368,13 @@
   <p:cSld>
     <p:spTree>
       <p:nvGrpSpPr>
-        <p:cNvPr id="1" name="Shape 203"/>
+        <p:cNvPr id="1" name="Shape 194">
+          <a:extLst>
+            <a:ext uri="{FF2B5EF4-FFF2-40B4-BE49-F238E27FC236}">
+              <a16:creationId xmlns:a16="http://schemas.microsoft.com/office/drawing/2014/main" id="{43DE8C30-58A4-D79C-DDF5-0A87513A6185}"/>
+            </a:ext>
+          </a:extLst>
+        </p:cNvPr>
         <p:cNvGrpSpPr/>
         <p:nvPr/>
       </p:nvGrpSpPr>
@@ -1380,7 +1388,13 @@
       </p:grpSpPr>
       <p:sp>
         <p:nvSpPr>
-          <p:cNvPr id="204" name="Google Shape;204;p9:notes"/>
+          <p:cNvPr id="195" name="Google Shape;195;g319ad67870e_0_11:notes">
+            <a:extLst>
+              <a:ext uri="{FF2B5EF4-FFF2-40B4-BE49-F238E27FC236}">
+                <a16:creationId xmlns:a16="http://schemas.microsoft.com/office/drawing/2014/main" id="{0A8C3D54-F342-C5B7-B021-1B91DC3D9A17}"/>
+              </a:ext>
+            </a:extLst>
+          </p:cNvPr>
           <p:cNvSpPr txBox="1">
             <a:spLocks noGrp="1"/>
           </p:cNvSpPr>
@@ -1426,27 +1440,17 @@
             </a:r>
             <a:endParaRPr/>
           </a:p>
-          <a:p>
-            <a:pPr marL="0" lvl="0" indent="0" algn="l" rtl="0">
-              <a:lnSpc>
-                <a:spcPct val="100000"/>
-              </a:lnSpc>
-              <a:spcBef>
-                <a:spcPts val="0"/>
-              </a:spcBef>
-              <a:spcAft>
-                <a:spcPts val="0"/>
-              </a:spcAft>
-              <a:buSzPts val="1100"/>
-              <a:buNone/>
-            </a:pPr>
-            <a:endParaRPr/>
-          </a:p>
         </p:txBody>
       </p:sp>
       <p:sp>
         <p:nvSpPr>
-          <p:cNvPr id="205" name="Google Shape;205;p9:notes"/>
+          <p:cNvPr id="196" name="Google Shape;196;g319ad67870e_0_11:notes">
+            <a:extLst>
+              <a:ext uri="{FF2B5EF4-FFF2-40B4-BE49-F238E27FC236}">
+                <a16:creationId xmlns:a16="http://schemas.microsoft.com/office/drawing/2014/main" id="{1F77E899-6682-F55A-D064-0A2F5E6FA761}"/>
+              </a:ext>
+            </a:extLst>
+          </p:cNvPr>
           <p:cNvSpPr>
             <a:spLocks noGrp="1" noRot="1" noChangeAspect="1"/>
           </p:cNvSpPr>
@@ -1496,6 +1500,309 @@
         </p:spPr>
       </p:sp>
     </p:spTree>
+    <p:extLst>
+      <p:ext uri="{BB962C8B-B14F-4D97-AF65-F5344CB8AC3E}">
+        <p14:creationId xmlns:p14="http://schemas.microsoft.com/office/powerpoint/2010/main" val="2983202651"/>
+      </p:ext>
+    </p:extLst>
+  </p:cSld>
+  <p:clrMapOvr>
+    <a:masterClrMapping/>
+  </p:clrMapOvr>
+</p:notes>
+</file>
+
+<file path=ppt/notesSlides/notesSlide14.xml><?xml version="1.0" encoding="utf-8"?>
+<p:notes xmlns:a="http://schemas.openxmlformats.org/drawingml/2006/main" xmlns:r="http://schemas.openxmlformats.org/officeDocument/2006/relationships" xmlns:p="http://schemas.openxmlformats.org/presentationml/2006/main" showMasterSp="0" showMasterPhAnim="0">
+  <p:cSld>
+    <p:spTree>
+      <p:nvGrpSpPr>
+        <p:cNvPr id="1" name="Shape 194">
+          <a:extLst>
+            <a:ext uri="{FF2B5EF4-FFF2-40B4-BE49-F238E27FC236}">
+              <a16:creationId xmlns:a16="http://schemas.microsoft.com/office/drawing/2014/main" id="{53E3A852-37CC-0984-4821-6B757888456C}"/>
+            </a:ext>
+          </a:extLst>
+        </p:cNvPr>
+        <p:cNvGrpSpPr/>
+        <p:nvPr/>
+      </p:nvGrpSpPr>
+      <p:grpSpPr>
+        <a:xfrm>
+          <a:off x="0" y="0"/>
+          <a:ext cx="0" cy="0"/>
+          <a:chOff x="0" y="0"/>
+          <a:chExt cx="0" cy="0"/>
+        </a:xfrm>
+      </p:grpSpPr>
+      <p:sp>
+        <p:nvSpPr>
+          <p:cNvPr id="195" name="Google Shape;195;g319ad67870e_0_11:notes">
+            <a:extLst>
+              <a:ext uri="{FF2B5EF4-FFF2-40B4-BE49-F238E27FC236}">
+                <a16:creationId xmlns:a16="http://schemas.microsoft.com/office/drawing/2014/main" id="{2C97F7CA-74AE-EE09-E32D-A55E221F4BCE}"/>
+              </a:ext>
+            </a:extLst>
+          </p:cNvPr>
+          <p:cNvSpPr txBox="1">
+            <a:spLocks noGrp="1"/>
+          </p:cNvSpPr>
+          <p:nvPr>
+            <p:ph type="body" idx="1"/>
+          </p:nvPr>
+        </p:nvSpPr>
+        <p:spPr>
+          <a:xfrm>
+            <a:off x="685800" y="4343400"/>
+            <a:ext cx="5486400" cy="4114800"/>
+          </a:xfrm>
+          <a:prstGeom prst="rect">
+            <a:avLst/>
+          </a:prstGeom>
+          <a:noFill/>
+          <a:ln>
+            <a:noFill/>
+          </a:ln>
+        </p:spPr>
+        <p:txBody>
+          <a:bodyPr spcFirstLastPara="1" wrap="square" lIns="91425" tIns="91425" rIns="91425" bIns="91425" anchor="t" anchorCtr="0">
+            <a:noAutofit/>
+          </a:bodyPr>
+          <a:lstStyle/>
+          <a:p>
+            <a:pPr marL="0" lvl="0" indent="0" algn="l" rtl="0">
+              <a:lnSpc>
+                <a:spcPct val="100000"/>
+              </a:lnSpc>
+              <a:spcBef>
+                <a:spcPts val="0"/>
+              </a:spcBef>
+              <a:spcAft>
+                <a:spcPts val="0"/>
+              </a:spcAft>
+              <a:buSzPts val="1100"/>
+              <a:buNone/>
+            </a:pPr>
+            <a:r>
+              <a:rPr lang="es-CL"/>
+              <a:t>Diego Saavedra</a:t>
+            </a:r>
+            <a:endParaRPr/>
+          </a:p>
+        </p:txBody>
+      </p:sp>
+      <p:sp>
+        <p:nvSpPr>
+          <p:cNvPr id="196" name="Google Shape;196;g319ad67870e_0_11:notes">
+            <a:extLst>
+              <a:ext uri="{FF2B5EF4-FFF2-40B4-BE49-F238E27FC236}">
+                <a16:creationId xmlns:a16="http://schemas.microsoft.com/office/drawing/2014/main" id="{F73711AE-A401-1FFD-7AA4-2140D481A64D}"/>
+              </a:ext>
+            </a:extLst>
+          </p:cNvPr>
+          <p:cNvSpPr>
+            <a:spLocks noGrp="1" noRot="1" noChangeAspect="1"/>
+          </p:cNvSpPr>
+          <p:nvPr>
+            <p:ph type="sldImg" idx="2"/>
+          </p:nvPr>
+        </p:nvSpPr>
+        <p:spPr>
+          <a:xfrm>
+            <a:off x="381000" y="685800"/>
+            <a:ext cx="6096000" cy="3429000"/>
+          </a:xfrm>
+          <a:custGeom>
+            <a:avLst/>
+            <a:gdLst/>
+            <a:ahLst/>
+            <a:cxnLst/>
+            <a:rect l="l" t="t" r="r" b="b"/>
+            <a:pathLst>
+              <a:path w="120000" h="120000" extrusionOk="0">
+                <a:moveTo>
+                  <a:pt x="0" y="0"/>
+                </a:moveTo>
+                <a:lnTo>
+                  <a:pt x="120000" y="0"/>
+                </a:lnTo>
+                <a:lnTo>
+                  <a:pt x="120000" y="120000"/>
+                </a:lnTo>
+                <a:lnTo>
+                  <a:pt x="0" y="120000"/>
+                </a:lnTo>
+                <a:close/>
+              </a:path>
+            </a:pathLst>
+          </a:custGeom>
+          <a:noFill/>
+          <a:ln w="9525" cap="flat" cmpd="sng">
+            <a:solidFill>
+              <a:srgbClr val="000000"/>
+            </a:solidFill>
+            <a:prstDash val="solid"/>
+            <a:round/>
+            <a:headEnd type="none" w="sm" len="sm"/>
+            <a:tailEnd type="none" w="sm" len="sm"/>
+          </a:ln>
+        </p:spPr>
+      </p:sp>
+    </p:spTree>
+    <p:extLst>
+      <p:ext uri="{BB962C8B-B14F-4D97-AF65-F5344CB8AC3E}">
+        <p14:creationId xmlns:p14="http://schemas.microsoft.com/office/powerpoint/2010/main" val="4015594577"/>
+      </p:ext>
+    </p:extLst>
+  </p:cSld>
+  <p:clrMapOvr>
+    <a:masterClrMapping/>
+  </p:clrMapOvr>
+</p:notes>
+</file>
+
+<file path=ppt/notesSlides/notesSlide15.xml><?xml version="1.0" encoding="utf-8"?>
+<p:notes xmlns:a="http://schemas.openxmlformats.org/drawingml/2006/main" xmlns:r="http://schemas.openxmlformats.org/officeDocument/2006/relationships" xmlns:p="http://schemas.openxmlformats.org/presentationml/2006/main" showMasterSp="0" showMasterPhAnim="0">
+  <p:cSld>
+    <p:spTree>
+      <p:nvGrpSpPr>
+        <p:cNvPr id="1" name="Shape 194">
+          <a:extLst>
+            <a:ext uri="{FF2B5EF4-FFF2-40B4-BE49-F238E27FC236}">
+              <a16:creationId xmlns:a16="http://schemas.microsoft.com/office/drawing/2014/main" id="{30B08718-90EA-740A-4994-4E92B896213A}"/>
+            </a:ext>
+          </a:extLst>
+        </p:cNvPr>
+        <p:cNvGrpSpPr/>
+        <p:nvPr/>
+      </p:nvGrpSpPr>
+      <p:grpSpPr>
+        <a:xfrm>
+          <a:off x="0" y="0"/>
+          <a:ext cx="0" cy="0"/>
+          <a:chOff x="0" y="0"/>
+          <a:chExt cx="0" cy="0"/>
+        </a:xfrm>
+      </p:grpSpPr>
+      <p:sp>
+        <p:nvSpPr>
+          <p:cNvPr id="195" name="Google Shape;195;g319ad67870e_0_11:notes">
+            <a:extLst>
+              <a:ext uri="{FF2B5EF4-FFF2-40B4-BE49-F238E27FC236}">
+                <a16:creationId xmlns:a16="http://schemas.microsoft.com/office/drawing/2014/main" id="{26612275-90CC-6D5A-159F-88B8068C0F92}"/>
+              </a:ext>
+            </a:extLst>
+          </p:cNvPr>
+          <p:cNvSpPr txBox="1">
+            <a:spLocks noGrp="1"/>
+          </p:cNvSpPr>
+          <p:nvPr>
+            <p:ph type="body" idx="1"/>
+          </p:nvPr>
+        </p:nvSpPr>
+        <p:spPr>
+          <a:xfrm>
+            <a:off x="685800" y="4343400"/>
+            <a:ext cx="5486400" cy="4114800"/>
+          </a:xfrm>
+          <a:prstGeom prst="rect">
+            <a:avLst/>
+          </a:prstGeom>
+          <a:noFill/>
+          <a:ln>
+            <a:noFill/>
+          </a:ln>
+        </p:spPr>
+        <p:txBody>
+          <a:bodyPr spcFirstLastPara="1" wrap="square" lIns="91425" tIns="91425" rIns="91425" bIns="91425" anchor="t" anchorCtr="0">
+            <a:noAutofit/>
+          </a:bodyPr>
+          <a:lstStyle/>
+          <a:p>
+            <a:pPr marL="0" lvl="0" indent="0" algn="l" rtl="0">
+              <a:lnSpc>
+                <a:spcPct val="100000"/>
+              </a:lnSpc>
+              <a:spcBef>
+                <a:spcPts val="0"/>
+              </a:spcBef>
+              <a:spcAft>
+                <a:spcPts val="0"/>
+              </a:spcAft>
+              <a:buSzPts val="1100"/>
+              <a:buNone/>
+            </a:pPr>
+            <a:r>
+              <a:rPr lang="es-CL"/>
+              <a:t>Diego Saavedra</a:t>
+            </a:r>
+            <a:endParaRPr/>
+          </a:p>
+        </p:txBody>
+      </p:sp>
+      <p:sp>
+        <p:nvSpPr>
+          <p:cNvPr id="196" name="Google Shape;196;g319ad67870e_0_11:notes">
+            <a:extLst>
+              <a:ext uri="{FF2B5EF4-FFF2-40B4-BE49-F238E27FC236}">
+                <a16:creationId xmlns:a16="http://schemas.microsoft.com/office/drawing/2014/main" id="{3A37ACF4-86E2-9121-DB1F-D0FDE097F49D}"/>
+              </a:ext>
+            </a:extLst>
+          </p:cNvPr>
+          <p:cNvSpPr>
+            <a:spLocks noGrp="1" noRot="1" noChangeAspect="1"/>
+          </p:cNvSpPr>
+          <p:nvPr>
+            <p:ph type="sldImg" idx="2"/>
+          </p:nvPr>
+        </p:nvSpPr>
+        <p:spPr>
+          <a:xfrm>
+            <a:off x="381000" y="685800"/>
+            <a:ext cx="6096000" cy="3429000"/>
+          </a:xfrm>
+          <a:custGeom>
+            <a:avLst/>
+            <a:gdLst/>
+            <a:ahLst/>
+            <a:cxnLst/>
+            <a:rect l="l" t="t" r="r" b="b"/>
+            <a:pathLst>
+              <a:path w="120000" h="120000" extrusionOk="0">
+                <a:moveTo>
+                  <a:pt x="0" y="0"/>
+                </a:moveTo>
+                <a:lnTo>
+                  <a:pt x="120000" y="0"/>
+                </a:lnTo>
+                <a:lnTo>
+                  <a:pt x="120000" y="120000"/>
+                </a:lnTo>
+                <a:lnTo>
+                  <a:pt x="0" y="120000"/>
+                </a:lnTo>
+                <a:close/>
+              </a:path>
+            </a:pathLst>
+          </a:custGeom>
+          <a:noFill/>
+          <a:ln w="9525" cap="flat" cmpd="sng">
+            <a:solidFill>
+              <a:srgbClr val="000000"/>
+            </a:solidFill>
+            <a:prstDash val="solid"/>
+            <a:round/>
+            <a:headEnd type="none" w="sm" len="sm"/>
+            <a:tailEnd type="none" w="sm" len="sm"/>
+          </a:ln>
+        </p:spPr>
+      </p:sp>
+    </p:spTree>
+    <p:extLst>
+      <p:ext uri="{BB962C8B-B14F-4D97-AF65-F5344CB8AC3E}">
+        <p14:creationId xmlns:p14="http://schemas.microsoft.com/office/powerpoint/2010/main" val="3022769664"/>
+      </p:ext>
+    </p:extLst>
   </p:cSld>
   <p:clrMapOvr>
     <a:masterClrMapping/>
@@ -12146,7 +12453,12 @@
             <p:ph type="title"/>
           </p:nvPr>
         </p:nvSpPr>
-        <p:spPr/>
+        <p:spPr>
+          <a:xfrm>
+            <a:off x="2891935" y="961495"/>
+            <a:ext cx="10251600" cy="713700"/>
+          </a:xfrm>
+        </p:spPr>
         <p:txBody>
           <a:bodyPr>
             <a:normAutofit fontScale="90000"/>
@@ -12182,7 +12494,7 @@
         </p:blipFill>
         <p:spPr>
           <a:xfrm>
-            <a:off x="689810" y="2471900"/>
+            <a:off x="1305446" y="2155028"/>
             <a:ext cx="8951495" cy="4036351"/>
           </a:xfrm>
           <a:prstGeom prst="rect">
@@ -12447,29 +12759,32 @@
       </p:pic>
       <p:pic>
         <p:nvPicPr>
-          <p:cNvPr id="202" name="Google Shape;202;g319ad67870e_0_11"/>
-          <p:cNvPicPr preferRelativeResize="0"/>
+          <p:cNvPr id="3" name="Imagen 2" descr="Diagrama, Esquemático&#10;&#10;Descripción generada automáticamente">
+            <a:extLst>
+              <a:ext uri="{FF2B5EF4-FFF2-40B4-BE49-F238E27FC236}">
+                <a16:creationId xmlns:a16="http://schemas.microsoft.com/office/drawing/2014/main" id="{F1607D45-1437-1F3F-D440-DA48C982DCEB}"/>
+              </a:ext>
+            </a:extLst>
+          </p:cNvPr>
+          <p:cNvPicPr>
+            <a:picLocks noChangeAspect="1"/>
+          </p:cNvPicPr>
           <p:nvPr/>
         </p:nvPicPr>
-        <p:blipFill rotWithShape="1">
-          <a:blip r:embed="rId4">
-            <a:alphaModFix/>
-          </a:blip>
-          <a:srcRect/>
-          <a:stretch/>
+        <p:blipFill>
+          <a:blip r:embed="rId4"/>
+          <a:stretch>
+            <a:fillRect/>
+          </a:stretch>
         </p:blipFill>
         <p:spPr>
           <a:xfrm>
-            <a:off x="2046375" y="1859006"/>
-            <a:ext cx="8099258" cy="4759894"/>
+            <a:off x="1105589" y="1747535"/>
+            <a:ext cx="9720769" cy="4865965"/>
           </a:xfrm>
           <a:prstGeom prst="rect">
             <a:avLst/>
           </a:prstGeom>
-          <a:noFill/>
-          <a:ln>
-            <a:noFill/>
-          </a:ln>
         </p:spPr>
       </p:pic>
     </p:spTree>
@@ -12485,7 +12800,13 @@
   <p:cSld>
     <p:spTree>
       <p:nvGrpSpPr>
-        <p:cNvPr id="1" name="Shape 206"/>
+        <p:cNvPr id="1" name="Shape 197">
+          <a:extLst>
+            <a:ext uri="{FF2B5EF4-FFF2-40B4-BE49-F238E27FC236}">
+              <a16:creationId xmlns:a16="http://schemas.microsoft.com/office/drawing/2014/main" id="{6EB79029-E297-37F3-74C0-45C42336E6FA}"/>
+            </a:ext>
+          </a:extLst>
+        </p:cNvPr>
         <p:cNvGrpSpPr/>
         <p:nvPr/>
       </p:nvGrpSpPr>
@@ -12497,9 +12818,492 @@
           <a:chExt cx="0" cy="0"/>
         </a:xfrm>
       </p:grpSpPr>
+      <p:sp>
+        <p:nvSpPr>
+          <p:cNvPr id="198" name="Google Shape;198;g319ad67870e_0_11">
+            <a:extLst>
+              <a:ext uri="{FF2B5EF4-FFF2-40B4-BE49-F238E27FC236}">
+                <a16:creationId xmlns:a16="http://schemas.microsoft.com/office/drawing/2014/main" id="{90536556-E7CF-308F-066C-B293218333D2}"/>
+              </a:ext>
+            </a:extLst>
+          </p:cNvPr>
+          <p:cNvSpPr txBox="1"/>
+          <p:nvPr/>
+        </p:nvSpPr>
+        <p:spPr>
+          <a:xfrm>
+            <a:off x="136188" y="368928"/>
+            <a:ext cx="12192000" cy="646500"/>
+          </a:xfrm>
+          <a:prstGeom prst="rect">
+            <a:avLst/>
+          </a:prstGeom>
+          <a:noFill/>
+          <a:ln>
+            <a:noFill/>
+          </a:ln>
+        </p:spPr>
+        <p:txBody>
+          <a:bodyPr spcFirstLastPara="1" wrap="square" lIns="91425" tIns="45700" rIns="91425" bIns="45700" anchor="t" anchorCtr="0">
+            <a:spAutoFit/>
+          </a:bodyPr>
+          <a:lstStyle/>
+          <a:p>
+            <a:pPr marL="0" marR="0" lvl="0" indent="0" algn="l" rtl="0">
+              <a:lnSpc>
+                <a:spcPct val="100000"/>
+              </a:lnSpc>
+              <a:spcBef>
+                <a:spcPts val="0"/>
+              </a:spcBef>
+              <a:spcAft>
+                <a:spcPts val="0"/>
+              </a:spcAft>
+              <a:buClr>
+                <a:srgbClr val="000000"/>
+              </a:buClr>
+              <a:buSzPts val="1800"/>
+              <a:buFont typeface="Arial"/>
+              <a:buNone/>
+            </a:pPr>
+            <a:r>
+              <a:rPr lang="es-CL" sz="1800" b="0" i="0" u="none" strike="noStrike" cap="none">
+                <a:solidFill>
+                  <a:srgbClr val="757070"/>
+                </a:solidFill>
+                <a:latin typeface="Calibri"/>
+                <a:ea typeface="Calibri"/>
+                <a:cs typeface="Calibri"/>
+                <a:sym typeface="Calibri"/>
+              </a:rPr>
+              <a:t>PROYECTO “PC Forge”</a:t>
+            </a:r>
+            <a:endParaRPr sz="1400" b="0" i="0" u="none" strike="noStrike" cap="none">
+              <a:solidFill>
+                <a:srgbClr val="000000"/>
+              </a:solidFill>
+              <a:latin typeface="Arial"/>
+              <a:ea typeface="Arial"/>
+              <a:cs typeface="Arial"/>
+              <a:sym typeface="Arial"/>
+            </a:endParaRPr>
+          </a:p>
+          <a:p>
+            <a:pPr marL="0" marR="0" lvl="0" indent="0" algn="l" rtl="0">
+              <a:lnSpc>
+                <a:spcPct val="100000"/>
+              </a:lnSpc>
+              <a:spcBef>
+                <a:spcPts val="0"/>
+              </a:spcBef>
+              <a:spcAft>
+                <a:spcPts val="0"/>
+              </a:spcAft>
+              <a:buClr>
+                <a:srgbClr val="000000"/>
+              </a:buClr>
+              <a:buSzPts val="1800"/>
+              <a:buFont typeface="Arial"/>
+              <a:buNone/>
+            </a:pPr>
+            <a:endParaRPr sz="1800" b="0" i="0" u="none" strike="noStrike" cap="none">
+              <a:solidFill>
+                <a:srgbClr val="757070"/>
+              </a:solidFill>
+              <a:latin typeface="Calibri"/>
+              <a:ea typeface="Calibri"/>
+              <a:cs typeface="Calibri"/>
+              <a:sym typeface="Calibri"/>
+            </a:endParaRPr>
+          </a:p>
+        </p:txBody>
+      </p:sp>
+      <p:sp>
+        <p:nvSpPr>
+          <p:cNvPr id="199" name="Google Shape;199;g319ad67870e_0_11">
+            <a:extLst>
+              <a:ext uri="{FF2B5EF4-FFF2-40B4-BE49-F238E27FC236}">
+                <a16:creationId xmlns:a16="http://schemas.microsoft.com/office/drawing/2014/main" id="{44463422-9FDE-B536-8D0D-80C89587B98F}"/>
+              </a:ext>
+            </a:extLst>
+          </p:cNvPr>
+          <p:cNvSpPr txBox="1"/>
+          <p:nvPr/>
+        </p:nvSpPr>
+        <p:spPr>
+          <a:xfrm>
+            <a:off x="0" y="3229112"/>
+            <a:ext cx="12192000" cy="646500"/>
+          </a:xfrm>
+          <a:prstGeom prst="rect">
+            <a:avLst/>
+          </a:prstGeom>
+          <a:noFill/>
+          <a:ln>
+            <a:noFill/>
+          </a:ln>
+        </p:spPr>
+        <p:txBody>
+          <a:bodyPr spcFirstLastPara="1" wrap="square" lIns="91425" tIns="45700" rIns="91425" bIns="45700" anchor="t" anchorCtr="0">
+            <a:spAutoFit/>
+          </a:bodyPr>
+          <a:lstStyle/>
+          <a:p>
+            <a:pPr marL="0" marR="0" lvl="0" indent="0" algn="ctr" rtl="0">
+              <a:lnSpc>
+                <a:spcPct val="100000"/>
+              </a:lnSpc>
+              <a:spcBef>
+                <a:spcPts val="0"/>
+              </a:spcBef>
+              <a:spcAft>
+                <a:spcPts val="0"/>
+              </a:spcAft>
+              <a:buClr>
+                <a:srgbClr val="000000"/>
+              </a:buClr>
+              <a:buSzPts val="3600"/>
+              <a:buFont typeface="Arial"/>
+              <a:buNone/>
+            </a:pPr>
+            <a:r>
+              <a:rPr lang="es-CL" sz="3600" b="0" i="0" u="none" strike="noStrike" cap="none" dirty="0">
+                <a:solidFill>
+                  <a:schemeClr val="dk1"/>
+                </a:solidFill>
+                <a:latin typeface="Calibri"/>
+                <a:ea typeface="Calibri"/>
+                <a:cs typeface="Calibri"/>
+                <a:sym typeface="Calibri"/>
+              </a:rPr>
+              <a:t>Muestra del proyecto</a:t>
+            </a:r>
+            <a:endParaRPr sz="1000" b="0" i="0" u="none" strike="noStrike" cap="none" dirty="0">
+              <a:solidFill>
+                <a:srgbClr val="757070"/>
+              </a:solidFill>
+              <a:latin typeface="Calibri"/>
+              <a:ea typeface="Calibri"/>
+              <a:cs typeface="Calibri"/>
+              <a:sym typeface="Calibri"/>
+            </a:endParaRPr>
+          </a:p>
+        </p:txBody>
+      </p:sp>
+      <p:cxnSp>
+        <p:nvCxnSpPr>
+          <p:cNvPr id="200" name="Google Shape;200;g319ad67870e_0_11">
+            <a:extLst>
+              <a:ext uri="{FF2B5EF4-FFF2-40B4-BE49-F238E27FC236}">
+                <a16:creationId xmlns:a16="http://schemas.microsoft.com/office/drawing/2014/main" id="{9E2F3C0C-E70C-4AD9-1022-560D199D8445}"/>
+              </a:ext>
+            </a:extLst>
+          </p:cNvPr>
+          <p:cNvCxnSpPr/>
+          <p:nvPr/>
+        </p:nvCxnSpPr>
+        <p:spPr>
+          <a:xfrm>
+            <a:off x="0" y="758027"/>
+            <a:ext cx="4085700" cy="0"/>
+          </a:xfrm>
+          <a:prstGeom prst="straightConnector1">
+            <a:avLst/>
+          </a:prstGeom>
+          <a:noFill/>
+          <a:ln w="15875" cap="flat" cmpd="sng">
+            <a:solidFill>
+              <a:srgbClr val="F5F7FC"/>
+            </a:solidFill>
+            <a:prstDash val="solid"/>
+            <a:miter lim="800000"/>
+            <a:headEnd type="none" w="sm" len="sm"/>
+            <a:tailEnd type="none" w="sm" len="sm"/>
+          </a:ln>
+        </p:spPr>
+      </p:cxnSp>
       <p:pic>
         <p:nvPicPr>
-          <p:cNvPr id="207" name="Google Shape;207;p9" descr="EscuelaIT Duoc UC - Escuela de Informática y Telecomunicaciones Duoc UC - Duoc  UC | LinkedIn"/>
+          <p:cNvPr id="201" name="Google Shape;201;g319ad67870e_0_11" descr="EscuelaIT Duoc UC - Escuela de Informática y Telecomunicaciones Duoc UC - Duoc  UC | LinkedIn">
+            <a:extLst>
+              <a:ext uri="{FF2B5EF4-FFF2-40B4-BE49-F238E27FC236}">
+                <a16:creationId xmlns:a16="http://schemas.microsoft.com/office/drawing/2014/main" id="{95914AFE-2B75-D270-1F59-45F07A166F75}"/>
+              </a:ext>
+            </a:extLst>
+          </p:cNvPr>
+          <p:cNvPicPr preferRelativeResize="0"/>
+          <p:nvPr/>
+        </p:nvPicPr>
+        <p:blipFill rotWithShape="1">
+          <a:blip r:embed="rId3">
+            <a:alphaModFix/>
+          </a:blip>
+          <a:srcRect/>
+          <a:stretch/>
+        </p:blipFill>
+        <p:spPr>
+          <a:xfrm>
+            <a:off x="8783900" y="0"/>
+            <a:ext cx="2927200" cy="637250"/>
+          </a:xfrm>
+          <a:prstGeom prst="rect">
+            <a:avLst/>
+          </a:prstGeom>
+          <a:noFill/>
+          <a:ln>
+            <a:noFill/>
+          </a:ln>
+        </p:spPr>
+      </p:pic>
+    </p:spTree>
+    <p:extLst>
+      <p:ext uri="{BB962C8B-B14F-4D97-AF65-F5344CB8AC3E}">
+        <p14:creationId xmlns:p14="http://schemas.microsoft.com/office/powerpoint/2010/main" val="2993161804"/>
+      </p:ext>
+    </p:extLst>
+  </p:cSld>
+  <p:clrMapOvr>
+    <a:masterClrMapping/>
+  </p:clrMapOvr>
+</p:sld>
+</file>
+
+<file path=ppt/slides/slide15.xml><?xml version="1.0" encoding="utf-8"?>
+<p:sld xmlns:a="http://schemas.openxmlformats.org/drawingml/2006/main" xmlns:r="http://schemas.openxmlformats.org/officeDocument/2006/relationships" xmlns:p="http://schemas.openxmlformats.org/presentationml/2006/main">
+  <p:cSld>
+    <p:spTree>
+      <p:nvGrpSpPr>
+        <p:cNvPr id="1" name="Shape 197">
+          <a:extLst>
+            <a:ext uri="{FF2B5EF4-FFF2-40B4-BE49-F238E27FC236}">
+              <a16:creationId xmlns:a16="http://schemas.microsoft.com/office/drawing/2014/main" id="{F08B8DC7-55C9-CB77-6736-6DFDCFC9F55F}"/>
+            </a:ext>
+          </a:extLst>
+        </p:cNvPr>
+        <p:cNvGrpSpPr/>
+        <p:nvPr/>
+      </p:nvGrpSpPr>
+      <p:grpSpPr>
+        <a:xfrm>
+          <a:off x="0" y="0"/>
+          <a:ext cx="0" cy="0"/>
+          <a:chOff x="0" y="0"/>
+          <a:chExt cx="0" cy="0"/>
+        </a:xfrm>
+      </p:grpSpPr>
+      <p:sp>
+        <p:nvSpPr>
+          <p:cNvPr id="198" name="Google Shape;198;g319ad67870e_0_11">
+            <a:extLst>
+              <a:ext uri="{FF2B5EF4-FFF2-40B4-BE49-F238E27FC236}">
+                <a16:creationId xmlns:a16="http://schemas.microsoft.com/office/drawing/2014/main" id="{E76EC295-5E70-C5FD-5893-DE48BBD05107}"/>
+              </a:ext>
+            </a:extLst>
+          </p:cNvPr>
+          <p:cNvSpPr txBox="1"/>
+          <p:nvPr/>
+        </p:nvSpPr>
+        <p:spPr>
+          <a:xfrm>
+            <a:off x="136188" y="368928"/>
+            <a:ext cx="12192000" cy="646500"/>
+          </a:xfrm>
+          <a:prstGeom prst="rect">
+            <a:avLst/>
+          </a:prstGeom>
+          <a:noFill/>
+          <a:ln>
+            <a:noFill/>
+          </a:ln>
+        </p:spPr>
+        <p:txBody>
+          <a:bodyPr spcFirstLastPara="1" wrap="square" lIns="91425" tIns="45700" rIns="91425" bIns="45700" anchor="t" anchorCtr="0">
+            <a:spAutoFit/>
+          </a:bodyPr>
+          <a:lstStyle/>
+          <a:p>
+            <a:pPr marL="0" marR="0" lvl="0" indent="0" algn="l" rtl="0">
+              <a:lnSpc>
+                <a:spcPct val="100000"/>
+              </a:lnSpc>
+              <a:spcBef>
+                <a:spcPts val="0"/>
+              </a:spcBef>
+              <a:spcAft>
+                <a:spcPts val="0"/>
+              </a:spcAft>
+              <a:buClr>
+                <a:srgbClr val="000000"/>
+              </a:buClr>
+              <a:buSzPts val="1800"/>
+              <a:buFont typeface="Arial"/>
+              <a:buNone/>
+            </a:pPr>
+            <a:r>
+              <a:rPr lang="es-CL" sz="1800" b="0" i="0" u="none" strike="noStrike" cap="none">
+                <a:solidFill>
+                  <a:srgbClr val="757070"/>
+                </a:solidFill>
+                <a:latin typeface="Calibri"/>
+                <a:ea typeface="Calibri"/>
+                <a:cs typeface="Calibri"/>
+                <a:sym typeface="Calibri"/>
+              </a:rPr>
+              <a:t>PROYECTO “PC Forge”</a:t>
+            </a:r>
+            <a:endParaRPr sz="1400" b="0" i="0" u="none" strike="noStrike" cap="none">
+              <a:solidFill>
+                <a:srgbClr val="000000"/>
+              </a:solidFill>
+              <a:latin typeface="Arial"/>
+              <a:ea typeface="Arial"/>
+              <a:cs typeface="Arial"/>
+              <a:sym typeface="Arial"/>
+            </a:endParaRPr>
+          </a:p>
+          <a:p>
+            <a:pPr marL="0" marR="0" lvl="0" indent="0" algn="l" rtl="0">
+              <a:lnSpc>
+                <a:spcPct val="100000"/>
+              </a:lnSpc>
+              <a:spcBef>
+                <a:spcPts val="0"/>
+              </a:spcBef>
+              <a:spcAft>
+                <a:spcPts val="0"/>
+              </a:spcAft>
+              <a:buClr>
+                <a:srgbClr val="000000"/>
+              </a:buClr>
+              <a:buSzPts val="1800"/>
+              <a:buFont typeface="Arial"/>
+              <a:buNone/>
+            </a:pPr>
+            <a:endParaRPr sz="1800" b="0" i="0" u="none" strike="noStrike" cap="none">
+              <a:solidFill>
+                <a:srgbClr val="757070"/>
+              </a:solidFill>
+              <a:latin typeface="Calibri"/>
+              <a:ea typeface="Calibri"/>
+              <a:cs typeface="Calibri"/>
+              <a:sym typeface="Calibri"/>
+            </a:endParaRPr>
+          </a:p>
+        </p:txBody>
+      </p:sp>
+      <p:sp>
+        <p:nvSpPr>
+          <p:cNvPr id="199" name="Google Shape;199;g319ad67870e_0_11">
+            <a:extLst>
+              <a:ext uri="{FF2B5EF4-FFF2-40B4-BE49-F238E27FC236}">
+                <a16:creationId xmlns:a16="http://schemas.microsoft.com/office/drawing/2014/main" id="{4740E78D-EB33-7DF7-53F3-D3901FE91AA2}"/>
+              </a:ext>
+            </a:extLst>
+          </p:cNvPr>
+          <p:cNvSpPr txBox="1"/>
+          <p:nvPr/>
+        </p:nvSpPr>
+        <p:spPr>
+          <a:xfrm>
+            <a:off x="1" y="992906"/>
+            <a:ext cx="12192000" cy="646500"/>
+          </a:xfrm>
+          <a:prstGeom prst="rect">
+            <a:avLst/>
+          </a:prstGeom>
+          <a:noFill/>
+          <a:ln>
+            <a:noFill/>
+          </a:ln>
+        </p:spPr>
+        <p:txBody>
+          <a:bodyPr spcFirstLastPara="1" wrap="square" lIns="91425" tIns="45700" rIns="91425" bIns="45700" anchor="t" anchorCtr="0">
+            <a:spAutoFit/>
+          </a:bodyPr>
+          <a:lstStyle/>
+          <a:p>
+            <a:pPr marL="0" marR="0" lvl="0" indent="0" algn="ctr" rtl="0">
+              <a:lnSpc>
+                <a:spcPct val="100000"/>
+              </a:lnSpc>
+              <a:spcBef>
+                <a:spcPts val="0"/>
+              </a:spcBef>
+              <a:spcAft>
+                <a:spcPts val="0"/>
+              </a:spcAft>
+              <a:buClr>
+                <a:srgbClr val="000000"/>
+              </a:buClr>
+              <a:buSzPts val="3600"/>
+              <a:buFont typeface="Arial"/>
+              <a:buNone/>
+            </a:pPr>
+            <a:r>
+              <a:rPr lang="es-CL" sz="3600" b="0" i="0" u="none" strike="noStrike" cap="none" dirty="0">
+                <a:solidFill>
+                  <a:schemeClr val="dk1"/>
+                </a:solidFill>
+                <a:latin typeface="Calibri"/>
+                <a:ea typeface="Calibri"/>
+                <a:cs typeface="Calibri"/>
+                <a:sym typeface="Calibri"/>
+              </a:rPr>
+              <a:t>Obstáculos presentados durante el desarrollo</a:t>
+            </a:r>
+            <a:endParaRPr sz="1000" b="0" i="0" u="none" strike="noStrike" cap="none" dirty="0">
+              <a:solidFill>
+                <a:srgbClr val="757070"/>
+              </a:solidFill>
+              <a:latin typeface="Calibri"/>
+              <a:ea typeface="Calibri"/>
+              <a:cs typeface="Calibri"/>
+              <a:sym typeface="Calibri"/>
+            </a:endParaRPr>
+          </a:p>
+        </p:txBody>
+      </p:sp>
+      <p:cxnSp>
+        <p:nvCxnSpPr>
+          <p:cNvPr id="200" name="Google Shape;200;g319ad67870e_0_11">
+            <a:extLst>
+              <a:ext uri="{FF2B5EF4-FFF2-40B4-BE49-F238E27FC236}">
+                <a16:creationId xmlns:a16="http://schemas.microsoft.com/office/drawing/2014/main" id="{A1C281DC-DA05-608F-B613-F35F8EE62174}"/>
+              </a:ext>
+            </a:extLst>
+          </p:cNvPr>
+          <p:cNvCxnSpPr/>
+          <p:nvPr/>
+        </p:nvCxnSpPr>
+        <p:spPr>
+          <a:xfrm>
+            <a:off x="0" y="758027"/>
+            <a:ext cx="4085700" cy="0"/>
+          </a:xfrm>
+          <a:prstGeom prst="straightConnector1">
+            <a:avLst/>
+          </a:prstGeom>
+          <a:noFill/>
+          <a:ln w="15875" cap="flat" cmpd="sng">
+            <a:solidFill>
+              <a:srgbClr val="F5F7FC"/>
+            </a:solidFill>
+            <a:prstDash val="solid"/>
+            <a:miter lim="800000"/>
+            <a:headEnd type="none" w="sm" len="sm"/>
+            <a:tailEnd type="none" w="sm" len="sm"/>
+          </a:ln>
+        </p:spPr>
+      </p:cxnSp>
+      <p:pic>
+        <p:nvPicPr>
+          <p:cNvPr id="201" name="Google Shape;201;g319ad67870e_0_11" descr="EscuelaIT Duoc UC - Escuela de Informática y Telecomunicaciones Duoc UC - Duoc  UC | LinkedIn">
+            <a:extLst>
+              <a:ext uri="{FF2B5EF4-FFF2-40B4-BE49-F238E27FC236}">
+                <a16:creationId xmlns:a16="http://schemas.microsoft.com/office/drawing/2014/main" id="{46A77E4F-99E2-A505-B9D9-CC9A16AAED42}"/>
+              </a:ext>
+            </a:extLst>
+          </p:cNvPr>
           <p:cNvPicPr preferRelativeResize="0"/>
           <p:nvPr/>
         </p:nvPicPr>
@@ -12526,14 +13330,354 @@
       </p:pic>
       <p:sp>
         <p:nvSpPr>
-          <p:cNvPr id="208" name="Google Shape;208;p9"/>
+          <p:cNvPr id="2" name="Google Shape;143;p6">
+            <a:extLst>
+              <a:ext uri="{FF2B5EF4-FFF2-40B4-BE49-F238E27FC236}">
+                <a16:creationId xmlns:a16="http://schemas.microsoft.com/office/drawing/2014/main" id="{7C4BAA89-5BA2-FB00-E2C1-FFCFF27D3752}"/>
+              </a:ext>
+            </a:extLst>
+          </p:cNvPr>
           <p:cNvSpPr txBox="1"/>
           <p:nvPr/>
         </p:nvSpPr>
         <p:spPr>
-          <a:xfrm rot="846">
-            <a:off x="-8" y="3044239"/>
-            <a:ext cx="12192000" cy="769500"/>
+          <a:xfrm>
+            <a:off x="1214215" y="2255418"/>
+            <a:ext cx="10180800" cy="3609676"/>
+          </a:xfrm>
+          <a:prstGeom prst="rect">
+            <a:avLst/>
+          </a:prstGeom>
+          <a:noFill/>
+          <a:ln>
+            <a:noFill/>
+          </a:ln>
+        </p:spPr>
+        <p:txBody>
+          <a:bodyPr spcFirstLastPara="1" wrap="square" lIns="91425" tIns="91425" rIns="91425" bIns="91425" anchor="t" anchorCtr="0">
+            <a:spAutoFit/>
+          </a:bodyPr>
+          <a:lstStyle/>
+          <a:p>
+            <a:pPr marL="457200" marR="0" lvl="0" indent="-457200" algn="just" rtl="0">
+              <a:lnSpc>
+                <a:spcPct val="107916"/>
+              </a:lnSpc>
+              <a:spcBef>
+                <a:spcPts val="1200"/>
+              </a:spcBef>
+              <a:spcAft>
+                <a:spcPts val="1200"/>
+              </a:spcAft>
+              <a:buClr>
+                <a:srgbClr val="000000"/>
+              </a:buClr>
+              <a:buSzPts val="2600"/>
+              <a:buFont typeface="Arial" panose="020B0604020202020204" pitchFamily="34" charset="0"/>
+              <a:buChar char="•"/>
+            </a:pPr>
+            <a:r>
+              <a:rPr lang="es-ES" sz="3300" b="0" i="0" u="none" strike="noStrike" cap="none" dirty="0">
+                <a:solidFill>
+                  <a:schemeClr val="accent1"/>
+                </a:solidFill>
+                <a:latin typeface="Lato"/>
+                <a:ea typeface="Lato"/>
+                <a:cs typeface="Lato"/>
+                <a:sym typeface="Lato"/>
+              </a:rPr>
+              <a:t>Tiempo</a:t>
+            </a:r>
+          </a:p>
+          <a:p>
+            <a:pPr marL="457200" marR="0" lvl="0" indent="-457200" algn="just" rtl="0">
+              <a:lnSpc>
+                <a:spcPct val="107916"/>
+              </a:lnSpc>
+              <a:spcBef>
+                <a:spcPts val="1200"/>
+              </a:spcBef>
+              <a:spcAft>
+                <a:spcPts val="1200"/>
+              </a:spcAft>
+              <a:buClr>
+                <a:srgbClr val="000000"/>
+              </a:buClr>
+              <a:buSzPts val="2600"/>
+              <a:buFont typeface="Arial" panose="020B0604020202020204" pitchFamily="34" charset="0"/>
+              <a:buChar char="•"/>
+            </a:pPr>
+            <a:r>
+              <a:rPr lang="es-ES" sz="3300" dirty="0">
+                <a:solidFill>
+                  <a:schemeClr val="accent1"/>
+                </a:solidFill>
+                <a:latin typeface="Lato"/>
+                <a:ea typeface="Lato"/>
+                <a:cs typeface="Lato"/>
+                <a:sym typeface="Lato"/>
+              </a:rPr>
+              <a:t>Implementación de la IA</a:t>
+            </a:r>
+          </a:p>
+          <a:p>
+            <a:pPr marL="457200" marR="0" lvl="0" indent="-457200" algn="just" rtl="0">
+              <a:lnSpc>
+                <a:spcPct val="107916"/>
+              </a:lnSpc>
+              <a:spcBef>
+                <a:spcPts val="1200"/>
+              </a:spcBef>
+              <a:spcAft>
+                <a:spcPts val="1200"/>
+              </a:spcAft>
+              <a:buClr>
+                <a:srgbClr val="000000"/>
+              </a:buClr>
+              <a:buSzPts val="2600"/>
+              <a:buFont typeface="Arial" panose="020B0604020202020204" pitchFamily="34" charset="0"/>
+              <a:buChar char="•"/>
+            </a:pPr>
+            <a:r>
+              <a:rPr lang="es-ES" sz="3300" b="0" i="0" u="none" strike="noStrike" cap="none" dirty="0">
+                <a:solidFill>
+                  <a:schemeClr val="accent1"/>
+                </a:solidFill>
+                <a:latin typeface="Lato"/>
+                <a:ea typeface="Lato"/>
+                <a:cs typeface="Lato"/>
+                <a:sym typeface="Lato"/>
+              </a:rPr>
+              <a:t>Falta de habilidades de </a:t>
+            </a:r>
+            <a:r>
+              <a:rPr lang="es-ES" sz="3300" dirty="0">
+                <a:solidFill>
+                  <a:schemeClr val="accent1"/>
+                </a:solidFill>
+                <a:latin typeface="Lato"/>
+                <a:ea typeface="Lato"/>
+                <a:cs typeface="Lato"/>
+                <a:sym typeface="Lato"/>
+              </a:rPr>
+              <a:t>diseño </a:t>
+            </a:r>
+            <a:r>
+              <a:rPr lang="es-ES" sz="3300" dirty="0" err="1">
+                <a:solidFill>
+                  <a:schemeClr val="accent1"/>
+                </a:solidFill>
+                <a:latin typeface="Lato"/>
+                <a:ea typeface="Lato"/>
+                <a:cs typeface="Lato"/>
+                <a:sym typeface="Lato"/>
+              </a:rPr>
+              <a:t>Frontend</a:t>
+            </a:r>
+            <a:endParaRPr lang="es-ES" sz="3300" dirty="0">
+              <a:solidFill>
+                <a:schemeClr val="accent1"/>
+              </a:solidFill>
+              <a:latin typeface="Lato"/>
+              <a:ea typeface="Lato"/>
+              <a:cs typeface="Lato"/>
+              <a:sym typeface="Lato"/>
+            </a:endParaRPr>
+          </a:p>
+          <a:p>
+            <a:pPr marL="457200" marR="0" lvl="0" indent="-457200" algn="just" rtl="0">
+              <a:lnSpc>
+                <a:spcPct val="107916"/>
+              </a:lnSpc>
+              <a:spcBef>
+                <a:spcPts val="1200"/>
+              </a:spcBef>
+              <a:spcAft>
+                <a:spcPts val="1200"/>
+              </a:spcAft>
+              <a:buClr>
+                <a:srgbClr val="000000"/>
+              </a:buClr>
+              <a:buSzPts val="2600"/>
+              <a:buFont typeface="Arial" panose="020B0604020202020204" pitchFamily="34" charset="0"/>
+              <a:buChar char="•"/>
+            </a:pPr>
+            <a:r>
+              <a:rPr lang="es-ES" sz="3300" b="0" i="0" u="none" strike="noStrike" cap="none" dirty="0">
+                <a:solidFill>
+                  <a:schemeClr val="accent1"/>
+                </a:solidFill>
+                <a:latin typeface="Lato"/>
+                <a:ea typeface="Lato"/>
+                <a:cs typeface="Lato"/>
+                <a:sym typeface="Lato"/>
+              </a:rPr>
+              <a:t>Problemas de organización de documentos</a:t>
+            </a:r>
+            <a:endParaRPr sz="3300" b="0" i="0" u="none" strike="noStrike" cap="none" dirty="0">
+              <a:solidFill>
+                <a:schemeClr val="accent1"/>
+              </a:solidFill>
+              <a:latin typeface="Lato"/>
+              <a:ea typeface="Lato"/>
+              <a:cs typeface="Lato"/>
+              <a:sym typeface="Lato"/>
+            </a:endParaRPr>
+          </a:p>
+        </p:txBody>
+      </p:sp>
+    </p:spTree>
+    <p:extLst>
+      <p:ext uri="{BB962C8B-B14F-4D97-AF65-F5344CB8AC3E}">
+        <p14:creationId xmlns:p14="http://schemas.microsoft.com/office/powerpoint/2010/main" val="2226697802"/>
+      </p:ext>
+    </p:extLst>
+  </p:cSld>
+  <p:clrMapOvr>
+    <a:masterClrMapping/>
+  </p:clrMapOvr>
+</p:sld>
+</file>
+
+<file path=ppt/slides/slide16.xml><?xml version="1.0" encoding="utf-8"?>
+<p:sld xmlns:a="http://schemas.openxmlformats.org/drawingml/2006/main" xmlns:r="http://schemas.openxmlformats.org/officeDocument/2006/relationships" xmlns:p="http://schemas.openxmlformats.org/presentationml/2006/main">
+  <p:cSld>
+    <p:spTree>
+      <p:nvGrpSpPr>
+        <p:cNvPr id="1" name="Shape 197">
+          <a:extLst>
+            <a:ext uri="{FF2B5EF4-FFF2-40B4-BE49-F238E27FC236}">
+              <a16:creationId xmlns:a16="http://schemas.microsoft.com/office/drawing/2014/main" id="{C1B23055-65AE-C129-3BF3-A7E4FCC04846}"/>
+            </a:ext>
+          </a:extLst>
+        </p:cNvPr>
+        <p:cNvGrpSpPr/>
+        <p:nvPr/>
+      </p:nvGrpSpPr>
+      <p:grpSpPr>
+        <a:xfrm>
+          <a:off x="0" y="0"/>
+          <a:ext cx="0" cy="0"/>
+          <a:chOff x="0" y="0"/>
+          <a:chExt cx="0" cy="0"/>
+        </a:xfrm>
+      </p:grpSpPr>
+      <p:sp>
+        <p:nvSpPr>
+          <p:cNvPr id="198" name="Google Shape;198;g319ad67870e_0_11">
+            <a:extLst>
+              <a:ext uri="{FF2B5EF4-FFF2-40B4-BE49-F238E27FC236}">
+                <a16:creationId xmlns:a16="http://schemas.microsoft.com/office/drawing/2014/main" id="{6053850D-28CC-1C72-572D-25C03D2A2D04}"/>
+              </a:ext>
+            </a:extLst>
+          </p:cNvPr>
+          <p:cNvSpPr txBox="1"/>
+          <p:nvPr/>
+        </p:nvSpPr>
+        <p:spPr>
+          <a:xfrm>
+            <a:off x="136188" y="368928"/>
+            <a:ext cx="12192000" cy="646500"/>
+          </a:xfrm>
+          <a:prstGeom prst="rect">
+            <a:avLst/>
+          </a:prstGeom>
+          <a:noFill/>
+          <a:ln>
+            <a:noFill/>
+          </a:ln>
+        </p:spPr>
+        <p:txBody>
+          <a:bodyPr spcFirstLastPara="1" wrap="square" lIns="91425" tIns="45700" rIns="91425" bIns="45700" anchor="t" anchorCtr="0">
+            <a:spAutoFit/>
+          </a:bodyPr>
+          <a:lstStyle/>
+          <a:p>
+            <a:pPr marL="0" marR="0" lvl="0" indent="0" algn="l" rtl="0">
+              <a:lnSpc>
+                <a:spcPct val="100000"/>
+              </a:lnSpc>
+              <a:spcBef>
+                <a:spcPts val="0"/>
+              </a:spcBef>
+              <a:spcAft>
+                <a:spcPts val="0"/>
+              </a:spcAft>
+              <a:buClr>
+                <a:srgbClr val="000000"/>
+              </a:buClr>
+              <a:buSzPts val="1800"/>
+              <a:buFont typeface="Arial"/>
+              <a:buNone/>
+            </a:pPr>
+            <a:r>
+              <a:rPr lang="es-CL" sz="1800" b="0" i="0" u="none" strike="noStrike" cap="none">
+                <a:solidFill>
+                  <a:srgbClr val="757070"/>
+                </a:solidFill>
+                <a:latin typeface="Calibri"/>
+                <a:ea typeface="Calibri"/>
+                <a:cs typeface="Calibri"/>
+                <a:sym typeface="Calibri"/>
+              </a:rPr>
+              <a:t>PROYECTO “PC Forge”</a:t>
+            </a:r>
+            <a:endParaRPr sz="1400" b="0" i="0" u="none" strike="noStrike" cap="none">
+              <a:solidFill>
+                <a:srgbClr val="000000"/>
+              </a:solidFill>
+              <a:latin typeface="Arial"/>
+              <a:ea typeface="Arial"/>
+              <a:cs typeface="Arial"/>
+              <a:sym typeface="Arial"/>
+            </a:endParaRPr>
+          </a:p>
+          <a:p>
+            <a:pPr marL="0" marR="0" lvl="0" indent="0" algn="l" rtl="0">
+              <a:lnSpc>
+                <a:spcPct val="100000"/>
+              </a:lnSpc>
+              <a:spcBef>
+                <a:spcPts val="0"/>
+              </a:spcBef>
+              <a:spcAft>
+                <a:spcPts val="0"/>
+              </a:spcAft>
+              <a:buClr>
+                <a:srgbClr val="000000"/>
+              </a:buClr>
+              <a:buSzPts val="1800"/>
+              <a:buFont typeface="Arial"/>
+              <a:buNone/>
+            </a:pPr>
+            <a:endParaRPr sz="1800" b="0" i="0" u="none" strike="noStrike" cap="none">
+              <a:solidFill>
+                <a:srgbClr val="757070"/>
+              </a:solidFill>
+              <a:latin typeface="Calibri"/>
+              <a:ea typeface="Calibri"/>
+              <a:cs typeface="Calibri"/>
+              <a:sym typeface="Calibri"/>
+            </a:endParaRPr>
+          </a:p>
+        </p:txBody>
+      </p:sp>
+      <p:sp>
+        <p:nvSpPr>
+          <p:cNvPr id="199" name="Google Shape;199;g319ad67870e_0_11">
+            <a:extLst>
+              <a:ext uri="{FF2B5EF4-FFF2-40B4-BE49-F238E27FC236}">
+                <a16:creationId xmlns:a16="http://schemas.microsoft.com/office/drawing/2014/main" id="{8ABFA68B-6E64-1695-B004-D6806205F8A7}"/>
+              </a:ext>
+            </a:extLst>
+          </p:cNvPr>
+          <p:cNvSpPr txBox="1"/>
+          <p:nvPr/>
+        </p:nvSpPr>
+        <p:spPr>
+          <a:xfrm>
+            <a:off x="1" y="992906"/>
+            <a:ext cx="12192000" cy="646500"/>
           </a:xfrm>
           <a:prstGeom prst="rect">
             <a:avLst/>
@@ -12562,12 +13706,12 @@
               <a:buClr>
                 <a:srgbClr val="000000"/>
               </a:buClr>
-              <a:buSzPts val="4400"/>
+              <a:buSzPts val="3600"/>
               <a:buFont typeface="Arial"/>
               <a:buNone/>
             </a:pPr>
             <a:r>
-              <a:rPr lang="es-CL" sz="4400">
+              <a:rPr lang="es-CL" sz="3600" b="0" i="0" u="none" strike="noStrike" cap="none" dirty="0">
                 <a:solidFill>
                   <a:schemeClr val="dk1"/>
                 </a:solidFill>
@@ -12576,11 +13720,11 @@
                 <a:cs typeface="Calibri"/>
                 <a:sym typeface="Calibri"/>
               </a:rPr>
-              <a:t>Muestra del proyecto</a:t>
+              <a:t>Resultados obtenidos</a:t>
             </a:r>
-            <a:endParaRPr sz="4400" b="0" i="0" u="none" strike="noStrike" cap="none">
+            <a:endParaRPr sz="1000" b="0" i="0" u="none" strike="noStrike" cap="none" dirty="0">
               <a:solidFill>
-                <a:schemeClr val="dk1"/>
+                <a:srgbClr val="757070"/>
               </a:solidFill>
               <a:latin typeface="Calibri"/>
               <a:ea typeface="Calibri"/>
@@ -12590,14 +13734,403 @@
           </a:p>
         </p:txBody>
       </p:sp>
+      <p:cxnSp>
+        <p:nvCxnSpPr>
+          <p:cNvPr id="200" name="Google Shape;200;g319ad67870e_0_11">
+            <a:extLst>
+              <a:ext uri="{FF2B5EF4-FFF2-40B4-BE49-F238E27FC236}">
+                <a16:creationId xmlns:a16="http://schemas.microsoft.com/office/drawing/2014/main" id="{11D7ED8C-B210-F4F2-8184-55AB9B31DA49}"/>
+              </a:ext>
+            </a:extLst>
+          </p:cNvPr>
+          <p:cNvCxnSpPr/>
+          <p:nvPr/>
+        </p:nvCxnSpPr>
+        <p:spPr>
+          <a:xfrm>
+            <a:off x="0" y="758027"/>
+            <a:ext cx="4085700" cy="0"/>
+          </a:xfrm>
+          <a:prstGeom prst="straightConnector1">
+            <a:avLst/>
+          </a:prstGeom>
+          <a:noFill/>
+          <a:ln w="15875" cap="flat" cmpd="sng">
+            <a:solidFill>
+              <a:srgbClr val="F5F7FC"/>
+            </a:solidFill>
+            <a:prstDash val="solid"/>
+            <a:miter lim="800000"/>
+            <a:headEnd type="none" w="sm" len="sm"/>
+            <a:tailEnd type="none" w="sm" len="sm"/>
+          </a:ln>
+        </p:spPr>
+      </p:cxnSp>
+      <p:pic>
+        <p:nvPicPr>
+          <p:cNvPr id="201" name="Google Shape;201;g319ad67870e_0_11" descr="EscuelaIT Duoc UC - Escuela de Informática y Telecomunicaciones Duoc UC - Duoc  UC | LinkedIn">
+            <a:extLst>
+              <a:ext uri="{FF2B5EF4-FFF2-40B4-BE49-F238E27FC236}">
+                <a16:creationId xmlns:a16="http://schemas.microsoft.com/office/drawing/2014/main" id="{FDA5075C-B470-1133-D009-EEEC1F6920F2}"/>
+              </a:ext>
+            </a:extLst>
+          </p:cNvPr>
+          <p:cNvPicPr preferRelativeResize="0"/>
+          <p:nvPr/>
+        </p:nvPicPr>
+        <p:blipFill rotWithShape="1">
+          <a:blip r:embed="rId3">
+            <a:alphaModFix/>
+          </a:blip>
+          <a:srcRect/>
+          <a:stretch/>
+        </p:blipFill>
+        <p:spPr>
+          <a:xfrm>
+            <a:off x="8783900" y="0"/>
+            <a:ext cx="2927200" cy="637250"/>
+          </a:xfrm>
+          <a:prstGeom prst="rect">
+            <a:avLst/>
+          </a:prstGeom>
+          <a:noFill/>
+          <a:ln>
+            <a:noFill/>
+          </a:ln>
+        </p:spPr>
+      </p:pic>
+      <p:sp>
+        <p:nvSpPr>
+          <p:cNvPr id="2" name="Google Shape;143;p6">
+            <a:extLst>
+              <a:ext uri="{FF2B5EF4-FFF2-40B4-BE49-F238E27FC236}">
+                <a16:creationId xmlns:a16="http://schemas.microsoft.com/office/drawing/2014/main" id="{5FB78120-3A60-9995-A059-263DE12EAC99}"/>
+              </a:ext>
+            </a:extLst>
+          </p:cNvPr>
+          <p:cNvSpPr txBox="1"/>
+          <p:nvPr/>
+        </p:nvSpPr>
+        <p:spPr>
+          <a:xfrm>
+            <a:off x="1277589" y="1639406"/>
+            <a:ext cx="10180800" cy="5522122"/>
+          </a:xfrm>
+          <a:prstGeom prst="rect">
+            <a:avLst/>
+          </a:prstGeom>
+          <a:noFill/>
+          <a:ln>
+            <a:noFill/>
+          </a:ln>
+        </p:spPr>
+        <p:txBody>
+          <a:bodyPr spcFirstLastPara="1" wrap="square" lIns="91425" tIns="91425" rIns="91425" bIns="91425" anchor="t" anchorCtr="0">
+            <a:spAutoFit/>
+          </a:bodyPr>
+          <a:lstStyle/>
+          <a:p>
+            <a:pPr marL="457200" marR="0" lvl="0" indent="-457200" algn="just" rtl="0">
+              <a:lnSpc>
+                <a:spcPct val="107916"/>
+              </a:lnSpc>
+              <a:spcBef>
+                <a:spcPts val="1200"/>
+              </a:spcBef>
+              <a:spcAft>
+                <a:spcPts val="1200"/>
+              </a:spcAft>
+              <a:buClr>
+                <a:srgbClr val="000000"/>
+              </a:buClr>
+              <a:buSzPts val="2600"/>
+              <a:buFont typeface="Arial" panose="020B0604020202020204" pitchFamily="34" charset="0"/>
+              <a:buChar char="•"/>
+            </a:pPr>
+            <a:r>
+              <a:rPr lang="es-ES" sz="2000" b="0" i="0" u="none" strike="noStrike" cap="none" dirty="0">
+                <a:solidFill>
+                  <a:schemeClr val="accent1"/>
+                </a:solidFill>
+                <a:latin typeface="Lato"/>
+                <a:ea typeface="Lato"/>
+                <a:cs typeface="Lato"/>
+                <a:sym typeface="Lato"/>
+              </a:rPr>
+              <a:t>Lograr aplicar Scrum de manera correcta.</a:t>
+            </a:r>
+          </a:p>
+          <a:p>
+            <a:pPr marL="457200" marR="0" lvl="0" indent="-457200" algn="just" rtl="0">
+              <a:lnSpc>
+                <a:spcPct val="107916"/>
+              </a:lnSpc>
+              <a:spcBef>
+                <a:spcPts val="1200"/>
+              </a:spcBef>
+              <a:spcAft>
+                <a:spcPts val="1200"/>
+              </a:spcAft>
+              <a:buClr>
+                <a:srgbClr val="000000"/>
+              </a:buClr>
+              <a:buSzPts val="2600"/>
+              <a:buFont typeface="Arial" panose="020B0604020202020204" pitchFamily="34" charset="0"/>
+              <a:buChar char="•"/>
+            </a:pPr>
+            <a:r>
+              <a:rPr lang="es-ES" sz="2000" dirty="0">
+                <a:solidFill>
+                  <a:schemeClr val="accent1"/>
+                </a:solidFill>
+                <a:latin typeface="Lato"/>
+                <a:ea typeface="Lato"/>
+                <a:cs typeface="Lato"/>
+                <a:sym typeface="Lato"/>
+              </a:rPr>
+              <a:t>Implementación de una inteligencia artificial mediante una API a una pagina web.</a:t>
+            </a:r>
+          </a:p>
+          <a:p>
+            <a:pPr marL="457200" marR="0" lvl="0" indent="-457200" algn="just" rtl="0">
+              <a:lnSpc>
+                <a:spcPct val="107916"/>
+              </a:lnSpc>
+              <a:spcBef>
+                <a:spcPts val="1200"/>
+              </a:spcBef>
+              <a:spcAft>
+                <a:spcPts val="1200"/>
+              </a:spcAft>
+              <a:buClr>
+                <a:srgbClr val="000000"/>
+              </a:buClr>
+              <a:buSzPts val="2600"/>
+              <a:buFont typeface="Arial" panose="020B0604020202020204" pitchFamily="34" charset="0"/>
+              <a:buChar char="•"/>
+            </a:pPr>
+            <a:r>
+              <a:rPr lang="es-ES" sz="2000" b="0" i="0" u="none" strike="noStrike" cap="none" dirty="0">
+                <a:solidFill>
+                  <a:schemeClr val="accent1"/>
+                </a:solidFill>
+                <a:latin typeface="Lato"/>
+                <a:ea typeface="Lato"/>
+                <a:cs typeface="Lato"/>
+                <a:sym typeface="Lato"/>
+              </a:rPr>
+              <a:t>Creación de sistema de comparación de componentes de computadores.</a:t>
+            </a:r>
+          </a:p>
+          <a:p>
+            <a:pPr marL="457200" marR="0" lvl="0" indent="-457200" algn="just" rtl="0">
+              <a:lnSpc>
+                <a:spcPct val="107916"/>
+              </a:lnSpc>
+              <a:spcBef>
+                <a:spcPts val="1200"/>
+              </a:spcBef>
+              <a:spcAft>
+                <a:spcPts val="1200"/>
+              </a:spcAft>
+              <a:buClr>
+                <a:srgbClr val="000000"/>
+              </a:buClr>
+              <a:buSzPts val="2600"/>
+              <a:buFont typeface="Arial" panose="020B0604020202020204" pitchFamily="34" charset="0"/>
+              <a:buChar char="•"/>
+            </a:pPr>
+            <a:r>
+              <a:rPr lang="es-ES" sz="2000" dirty="0">
+                <a:solidFill>
+                  <a:schemeClr val="accent1"/>
+                </a:solidFill>
+                <a:latin typeface="Lato"/>
+                <a:ea typeface="Lato"/>
+                <a:cs typeface="Lato"/>
+                <a:sym typeface="Lato"/>
+              </a:rPr>
+              <a:t>Creación de foro comunitario para usuarios.</a:t>
+            </a:r>
+          </a:p>
+          <a:p>
+            <a:pPr marL="457200" marR="0" lvl="0" indent="-457200" algn="just" rtl="0">
+              <a:lnSpc>
+                <a:spcPct val="107916"/>
+              </a:lnSpc>
+              <a:spcBef>
+                <a:spcPts val="1200"/>
+              </a:spcBef>
+              <a:spcAft>
+                <a:spcPts val="1200"/>
+              </a:spcAft>
+              <a:buClr>
+                <a:srgbClr val="000000"/>
+              </a:buClr>
+              <a:buSzPts val="2600"/>
+              <a:buFont typeface="Arial" panose="020B0604020202020204" pitchFamily="34" charset="0"/>
+              <a:buChar char="•"/>
+            </a:pPr>
+            <a:r>
+              <a:rPr lang="es-ES" sz="2000" b="0" i="0" u="none" strike="noStrike" cap="none" dirty="0">
+                <a:solidFill>
+                  <a:schemeClr val="accent1"/>
+                </a:solidFill>
+                <a:latin typeface="Lato"/>
+                <a:ea typeface="Lato"/>
+                <a:cs typeface="Lato"/>
+                <a:sym typeface="Lato"/>
+              </a:rPr>
+              <a:t>Implementación de una base de datos </a:t>
+            </a:r>
+            <a:r>
+              <a:rPr lang="es-ES" sz="2000" b="0" i="0" u="none" strike="noStrike" cap="none" dirty="0" err="1">
+                <a:solidFill>
+                  <a:schemeClr val="accent1"/>
+                </a:solidFill>
+                <a:latin typeface="Lato"/>
+                <a:ea typeface="Lato"/>
+                <a:cs typeface="Lato"/>
+                <a:sym typeface="Lato"/>
+              </a:rPr>
+              <a:t>mysql</a:t>
+            </a:r>
+            <a:r>
+              <a:rPr lang="es-ES" sz="2000" b="0" i="0" u="none" strike="noStrike" cap="none" dirty="0">
+                <a:solidFill>
+                  <a:schemeClr val="accent1"/>
+                </a:solidFill>
+                <a:latin typeface="Lato"/>
+                <a:ea typeface="Lato"/>
+                <a:cs typeface="Lato"/>
+                <a:sym typeface="Lato"/>
+              </a:rPr>
+              <a:t> en pagina web.</a:t>
+            </a:r>
+          </a:p>
+          <a:p>
+            <a:pPr marL="457200" marR="0" lvl="0" indent="-457200" algn="just" rtl="0">
+              <a:lnSpc>
+                <a:spcPct val="107916"/>
+              </a:lnSpc>
+              <a:spcBef>
+                <a:spcPts val="1200"/>
+              </a:spcBef>
+              <a:spcAft>
+                <a:spcPts val="1200"/>
+              </a:spcAft>
+              <a:buClr>
+                <a:srgbClr val="000000"/>
+              </a:buClr>
+              <a:buSzPts val="2600"/>
+              <a:buFont typeface="Arial" panose="020B0604020202020204" pitchFamily="34" charset="0"/>
+              <a:buChar char="•"/>
+            </a:pPr>
+            <a:r>
+              <a:rPr lang="es-ES" sz="2000" dirty="0">
+                <a:solidFill>
+                  <a:schemeClr val="accent1"/>
+                </a:solidFill>
+                <a:latin typeface="Lato"/>
+                <a:ea typeface="Lato"/>
+                <a:cs typeface="Lato"/>
+                <a:sym typeface="Lato"/>
+              </a:rPr>
+              <a:t>Uso correcto de entorno virtual para desarrollo grupal.</a:t>
+            </a:r>
+          </a:p>
+          <a:p>
+            <a:pPr marL="457200" marR="0" lvl="0" indent="-457200" algn="just" rtl="0">
+              <a:lnSpc>
+                <a:spcPct val="107916"/>
+              </a:lnSpc>
+              <a:spcBef>
+                <a:spcPts val="1200"/>
+              </a:spcBef>
+              <a:spcAft>
+                <a:spcPts val="1200"/>
+              </a:spcAft>
+              <a:buClr>
+                <a:srgbClr val="000000"/>
+              </a:buClr>
+              <a:buSzPts val="2600"/>
+              <a:buFont typeface="Arial" panose="020B0604020202020204" pitchFamily="34" charset="0"/>
+              <a:buChar char="•"/>
+            </a:pPr>
+            <a:r>
+              <a:rPr lang="es-ES" sz="2000" b="0" i="0" u="none" strike="noStrike" cap="none" dirty="0">
+                <a:solidFill>
+                  <a:schemeClr val="accent1"/>
+                </a:solidFill>
+                <a:latin typeface="Lato"/>
+                <a:ea typeface="Lato"/>
+                <a:cs typeface="Lato"/>
+                <a:sym typeface="Lato"/>
+              </a:rPr>
+              <a:t>Implementació</a:t>
+            </a:r>
+            <a:r>
+              <a:rPr lang="es-ES" sz="2000" dirty="0">
+                <a:solidFill>
+                  <a:schemeClr val="accent1"/>
+                </a:solidFill>
+                <a:latin typeface="Lato"/>
+                <a:ea typeface="Lato"/>
+                <a:cs typeface="Lato"/>
+                <a:sym typeface="Lato"/>
+              </a:rPr>
+              <a:t>n de pasarela de pago mediante API de PayPal.</a:t>
+            </a:r>
+            <a:endParaRPr lang="es-ES" sz="2000" b="0" i="0" u="none" strike="noStrike" cap="none" dirty="0">
+              <a:solidFill>
+                <a:schemeClr val="accent1"/>
+              </a:solidFill>
+              <a:latin typeface="Lato"/>
+              <a:ea typeface="Lato"/>
+              <a:cs typeface="Lato"/>
+              <a:sym typeface="Lato"/>
+            </a:endParaRPr>
+          </a:p>
+          <a:p>
+            <a:pPr marL="457200" marR="0" lvl="0" indent="-457200" algn="just" rtl="0">
+              <a:lnSpc>
+                <a:spcPct val="107916"/>
+              </a:lnSpc>
+              <a:spcBef>
+                <a:spcPts val="1200"/>
+              </a:spcBef>
+              <a:spcAft>
+                <a:spcPts val="1200"/>
+              </a:spcAft>
+              <a:buClr>
+                <a:srgbClr val="000000"/>
+              </a:buClr>
+              <a:buSzPts val="2600"/>
+              <a:buFont typeface="Arial" panose="020B0604020202020204" pitchFamily="34" charset="0"/>
+              <a:buChar char="•"/>
+            </a:pPr>
+            <a:endParaRPr sz="3300" b="0" i="0" u="none" strike="noStrike" cap="none" dirty="0">
+              <a:solidFill>
+                <a:schemeClr val="accent1"/>
+              </a:solidFill>
+              <a:latin typeface="Lato"/>
+              <a:ea typeface="Lato"/>
+              <a:cs typeface="Lato"/>
+              <a:sym typeface="Lato"/>
+            </a:endParaRPr>
+          </a:p>
+        </p:txBody>
+      </p:sp>
     </p:spTree>
+    <p:extLst>
+      <p:ext uri="{BB962C8B-B14F-4D97-AF65-F5344CB8AC3E}">
+        <p14:creationId xmlns:p14="http://schemas.microsoft.com/office/powerpoint/2010/main" val="175404575"/>
+      </p:ext>
+    </p:extLst>
   </p:cSld>
   <p:clrMapOvr>
     <a:masterClrMapping/>
   </p:clrMapOvr>
-  <p:transition spd="slow">
-    <p:wipe/>
-  </p:transition>
 </p:sld>
 </file>
 
@@ -15423,7 +16956,7 @@
         </p:nvGraphicFramePr>
         <p:xfrm>
           <a:off x="952500" y="2345475"/>
-          <a:ext cx="3000000" cy="3000000"/>
+          <a:ext cx="10287000" cy="3383220"/>
         </p:xfrm>
         <a:graphic>
           <a:graphicData uri="http://schemas.openxmlformats.org/drawingml/2006/table">
@@ -15472,10 +17005,10 @@
                         <a:buNone/>
                       </a:pPr>
                       <a:r>
-                        <a:rPr lang="es-CL" sz="1400" b="1" u="none" strike="noStrike" cap="none"/>
+                        <a:rPr lang="es-CL" sz="1400" b="1" u="none" strike="noStrike" cap="none" dirty="0"/>
                         <a:t>Limitaciones</a:t>
                       </a:r>
-                      <a:endParaRPr sz="1400" b="1" u="none" strike="noStrike" cap="none"/>
+                      <a:endParaRPr sz="1400" b="1" u="none" strike="noStrike" cap="none" dirty="0"/>
                     </a:p>
                   </a:txBody>
                   <a:tcPr marL="91425" marR="91425" marT="91425" marB="91425">
@@ -15668,14 +17201,14 @@
                         <a:buChar char="●"/>
                       </a:pPr>
                       <a:r>
-                        <a:rPr lang="es-CL" sz="1200" u="none" strike="noStrike" cap="none"/>
+                        <a:rPr lang="es-CL" sz="1200" u="none" strike="noStrike" cap="none" dirty="0"/>
                         <a:t>Asistencia Personalizada: APT ofrece una asistencia personalizada a los usuarios para el armado de sus computadoras, brindando recomendaciones precisas sobre componentes según sus necesidades y presupuesto</a:t>
                       </a:r>
                       <a:r>
-                        <a:rPr lang="es-CL" sz="1400" u="none" strike="noStrike" cap="none"/>
+                        <a:rPr lang="es-CL" sz="1400" u="none" strike="noStrike" cap="none" dirty="0"/>
                         <a:t>.</a:t>
                       </a:r>
-                      <a:endParaRPr sz="1400" u="none" strike="noStrike" cap="none"/>
+                      <a:endParaRPr sz="1400" u="none" strike="noStrike" cap="none" dirty="0"/>
                     </a:p>
                     <a:p>
                       <a:pPr marL="457200" marR="0" lvl="0" indent="0" algn="l" rtl="0">
@@ -15695,7 +17228,7 @@
                         <a:buFont typeface="Arial"/>
                         <a:buNone/>
                       </a:pPr>
-                      <a:endParaRPr sz="1400" u="none" strike="noStrike" cap="none"/>
+                      <a:endParaRPr sz="1400" u="none" strike="noStrike" cap="none" dirty="0"/>
                     </a:p>
                     <a:p>
                       <a:pPr marL="457200" marR="0" lvl="0" indent="-317500" algn="l" rtl="0">
@@ -15716,10 +17249,10 @@
                         <a:buChar char="●"/>
                       </a:pPr>
                       <a:r>
-                        <a:rPr lang="es-CL" sz="1200" u="none" strike="noStrike" cap="none"/>
+                        <a:rPr lang="es-CL" sz="1200" u="none" strike="noStrike" cap="none" dirty="0"/>
                         <a:t>Escalabilidad: El proyecto está diseñado para ser escalable, permitiendo la incorporación de nuevas funcionalidades, como la integración de tecnologías emergentes o la ampliación de la base de datos de componentes de hardware.</a:t>
                       </a:r>
-                      <a:endParaRPr sz="1200" u="none" strike="noStrike" cap="none"/>
+                      <a:endParaRPr sz="1200" u="none" strike="noStrike" cap="none" dirty="0"/>
                     </a:p>
                     <a:p>
                       <a:pPr marL="457200" marR="0" lvl="0" indent="0" algn="l" rtl="0">
@@ -15739,7 +17272,7 @@
                         <a:buFont typeface="Arial"/>
                         <a:buNone/>
                       </a:pPr>
-                      <a:endParaRPr sz="1200" u="none" strike="noStrike" cap="none"/>
+                      <a:endParaRPr sz="1200" u="none" strike="noStrike" cap="none" dirty="0"/>
                     </a:p>
                     <a:p>
                       <a:pPr marL="457200" marR="0" lvl="0" indent="-304800" algn="l" rtl="0">
@@ -15760,10 +17293,10 @@
                         <a:buChar char="●"/>
                       </a:pPr>
                       <a:r>
-                        <a:rPr lang="es-CL" sz="1200" u="none" strike="noStrike" cap="none"/>
+                        <a:rPr lang="es-CL" sz="1200" u="none" strike="noStrike" cap="none" dirty="0"/>
                         <a:t>Educación Técnica: APT también puede servir como una herramienta educativa, ayudando a los usuarios a aprender sobre las especificaciones técnicas y compatibilidades entre componentes, lo que les permite tomar decisiones más informadas.</a:t>
                       </a:r>
-                      <a:endParaRPr sz="1200" u="none" strike="noStrike" cap="none"/>
+                      <a:endParaRPr sz="1200" u="none" strike="noStrike" cap="none" dirty="0"/>
                     </a:p>
                   </a:txBody>
                   <a:tcPr marL="91425" marR="91425" marT="91425" marB="91425"/>
@@ -16089,7 +17622,7 @@
               <a:buNone/>
             </a:pPr>
             <a:r>
-              <a:rPr lang="es-CL" sz="2600" b="0" i="0" u="none" strike="noStrike" cap="none">
+              <a:rPr lang="es-CL" sz="2600" b="0" i="0" u="none" strike="noStrike" cap="none" dirty="0">
                 <a:solidFill>
                   <a:srgbClr val="000000"/>
                 </a:solidFill>
@@ -16098,9 +17631,57 @@
                 <a:cs typeface="Calibri"/>
                 <a:sym typeface="Calibri"/>
               </a:rPr>
-              <a:t>La metodología ágil Scrum es la más adecuada para este proyecto APT porque ofrece flexibilidad para ajustar los requisitos a medida que el desarrollo avanza. Esto es esencial en un proyecto donde las necesidades del usuario y las tecnologías utilizadas, como el Deep learning en el chatbot, pueden cambiar rápidamente.</a:t>
+              <a:t>La metodología ágil Scrum es la más adecuada para este proyecto APT porque ofrece flexibilidad para ajustar los requisitos a medida que el desarrollo avanza. Esto es esencial en un proyecto donde las necesidades del usuario y las tecnologías utilizadas, como el Deep </a:t>
             </a:r>
-            <a:endParaRPr sz="3300" b="0" i="0" u="none" strike="noStrike" cap="none">
+            <a:r>
+              <a:rPr lang="es-CL" sz="2600" b="0" i="0" u="none" strike="noStrike" cap="none" dirty="0" err="1">
+                <a:solidFill>
+                  <a:srgbClr val="000000"/>
+                </a:solidFill>
+                <a:latin typeface="Calibri"/>
+                <a:ea typeface="Calibri"/>
+                <a:cs typeface="Calibri"/>
+                <a:sym typeface="Calibri"/>
+              </a:rPr>
+              <a:t>learning</a:t>
+            </a:r>
+            <a:r>
+              <a:rPr lang="es-CL" sz="2600" b="0" i="0" u="none" strike="noStrike" cap="none" dirty="0">
+                <a:solidFill>
+                  <a:srgbClr val="000000"/>
+                </a:solidFill>
+                <a:latin typeface="Calibri"/>
+                <a:ea typeface="Calibri"/>
+                <a:cs typeface="Calibri"/>
+                <a:sym typeface="Calibri"/>
+              </a:rPr>
+              <a:t> en el </a:t>
+            </a:r>
+            <a:r>
+              <a:rPr lang="es-CL" sz="2600" b="0" i="0" u="none" strike="noStrike" cap="none" dirty="0" err="1">
+                <a:solidFill>
+                  <a:srgbClr val="000000"/>
+                </a:solidFill>
+                <a:latin typeface="Calibri"/>
+                <a:ea typeface="Calibri"/>
+                <a:cs typeface="Calibri"/>
+                <a:sym typeface="Calibri"/>
+              </a:rPr>
+              <a:t>chatbot</a:t>
+            </a:r>
+            <a:r>
+              <a:rPr lang="es-CL" sz="2600" b="0" i="0" u="none" strike="noStrike" cap="none" dirty="0">
+                <a:solidFill>
+                  <a:srgbClr val="000000"/>
+                </a:solidFill>
+                <a:latin typeface="Calibri"/>
+                <a:ea typeface="Calibri"/>
+                <a:cs typeface="Calibri"/>
+                <a:sym typeface="Calibri"/>
+              </a:rPr>
+              <a:t>, pueden cambiar rápidamente.</a:t>
+            </a:r>
+            <a:endParaRPr sz="3300" b="0" i="0" u="none" strike="noStrike" cap="none" dirty="0">
               <a:solidFill>
                 <a:schemeClr val="accent1"/>
               </a:solidFill>
@@ -16243,7 +17824,7 @@
         <p:spPr>
           <a:xfrm>
             <a:off x="1" y="992906"/>
-            <a:ext cx="12192000" cy="892800"/>
+            <a:ext cx="12192000" cy="646290"/>
           </a:xfrm>
           <a:prstGeom prst="rect">
             <a:avLst/>
@@ -16277,7 +17858,7 @@
               <a:buNone/>
             </a:pPr>
             <a:r>
-              <a:rPr lang="es-CL" sz="3600" b="0" i="0" u="none" strike="noStrike" cap="none">
+              <a:rPr lang="es-CL" sz="3600" b="0" i="0" u="none" strike="noStrike" cap="none" dirty="0">
                 <a:solidFill>
                   <a:schemeClr val="dk1"/>
                 </a:solidFill>
@@ -16288,7 +17869,7 @@
               </a:rPr>
               <a:t>Cronograma para el desarrollo del proyecto</a:t>
             </a:r>
-            <a:endParaRPr sz="1400" b="0" i="0" u="none" strike="noStrike" cap="none">
+            <a:endParaRPr sz="1400" b="0" i="0" u="none" strike="noStrike" cap="none" dirty="0">
               <a:solidFill>
                 <a:srgbClr val="000000"/>
               </a:solidFill>
@@ -16296,46 +17877,6 @@
               <a:ea typeface="Arial"/>
               <a:cs typeface="Arial"/>
               <a:sym typeface="Arial"/>
-            </a:endParaRPr>
-          </a:p>
-          <a:p>
-            <a:pPr marL="0" marR="0" lvl="0" indent="0" algn="ctr" rtl="0">
-              <a:lnSpc>
-                <a:spcPct val="100000"/>
-              </a:lnSpc>
-              <a:spcBef>
-                <a:spcPts val="0"/>
-              </a:spcBef>
-              <a:spcAft>
-                <a:spcPts val="0"/>
-              </a:spcAft>
-              <a:buClr>
-                <a:srgbClr val="000000"/>
-              </a:buClr>
-              <a:buSzPts val="1600"/>
-              <a:buFont typeface="Arial"/>
-              <a:buNone/>
-            </a:pPr>
-            <a:r>
-              <a:rPr lang="es-CL" sz="1600" b="0" i="0" u="none" strike="noStrike" cap="none">
-                <a:solidFill>
-                  <a:srgbClr val="757070"/>
-                </a:solidFill>
-                <a:latin typeface="Calibri"/>
-                <a:ea typeface="Calibri"/>
-                <a:cs typeface="Calibri"/>
-                <a:sym typeface="Calibri"/>
-              </a:rPr>
-              <a:t>* Utilizar cronograma de inicio, indicando el cumplimiento al término del proyecto </a:t>
-            </a:r>
-            <a:endParaRPr sz="1000" b="0" i="0" u="none" strike="noStrike" cap="none">
-              <a:solidFill>
-                <a:srgbClr val="757070"/>
-              </a:solidFill>
-              <a:latin typeface="Calibri"/>
-              <a:ea typeface="Calibri"/>
-              <a:cs typeface="Calibri"/>
-              <a:sym typeface="Calibri"/>
             </a:endParaRPr>
           </a:p>
         </p:txBody>
@@ -16395,56 +17936,32 @@
       </p:pic>
       <p:pic>
         <p:nvPicPr>
-          <p:cNvPr id="152" name="Google Shape;152;p7"/>
-          <p:cNvPicPr preferRelativeResize="0"/>
+          <p:cNvPr id="3" name="Imagen 2">
+            <a:extLst>
+              <a:ext uri="{FF2B5EF4-FFF2-40B4-BE49-F238E27FC236}">
+                <a16:creationId xmlns:a16="http://schemas.microsoft.com/office/drawing/2014/main" id="{9265C312-D2B0-F044-8B38-EFA78A4FDB6C}"/>
+              </a:ext>
+            </a:extLst>
+          </p:cNvPr>
+          <p:cNvPicPr>
+            <a:picLocks noChangeAspect="1"/>
+          </p:cNvPicPr>
           <p:nvPr/>
         </p:nvPicPr>
-        <p:blipFill rotWithShape="1">
-          <a:blip r:embed="rId4">
-            <a:alphaModFix/>
-          </a:blip>
-          <a:srcRect/>
-          <a:stretch/>
+        <p:blipFill>
+          <a:blip r:embed="rId4"/>
+          <a:stretch>
+            <a:fillRect/>
+          </a:stretch>
         </p:blipFill>
         <p:spPr>
           <a:xfrm>
-            <a:off x="245950" y="2120575"/>
-            <a:ext cx="6549724" cy="4316574"/>
+            <a:off x="1580301" y="1740851"/>
+            <a:ext cx="8501841" cy="4603366"/>
           </a:xfrm>
           <a:prstGeom prst="rect">
             <a:avLst/>
           </a:prstGeom>
-          <a:noFill/>
-          <a:ln>
-            <a:noFill/>
-          </a:ln>
-        </p:spPr>
-      </p:pic>
-      <p:pic>
-        <p:nvPicPr>
-          <p:cNvPr id="153" name="Google Shape;153;p7"/>
-          <p:cNvPicPr preferRelativeResize="0"/>
-          <p:nvPr/>
-        </p:nvPicPr>
-        <p:blipFill rotWithShape="1">
-          <a:blip r:embed="rId5">
-            <a:alphaModFix/>
-          </a:blip>
-          <a:srcRect/>
-          <a:stretch/>
-        </p:blipFill>
-        <p:spPr>
-          <a:xfrm>
-            <a:off x="6864950" y="2639300"/>
-            <a:ext cx="5230074" cy="2774374"/>
-          </a:xfrm>
-          <a:prstGeom prst="rect">
-            <a:avLst/>
-          </a:prstGeom>
-          <a:noFill/>
-          <a:ln>
-            <a:noFill/>
-          </a:ln>
         </p:spPr>
       </p:pic>
     </p:spTree>

--- a/Fase 3/Evidencias Grupales/Presentación Final del proyecto (Español).pptx
+++ b/Fase 3/Evidencias Grupales/Presentación Final del proyecto (Español).pptx
@@ -277,7 +277,7 @@
       <p15:sldGuideLst xmlns:p15="http://schemas.microsoft.com/office/powerpoint/2012/main"/>
     </p:ext>
     <p:ext uri="GoogleSlidesCustomDataVersion2">
-      <go:slidesCustomData xmlns:go="http://customooxmlschemas.google.com/" xmlns:ahyp="http://schemas.microsoft.com/office/drawing/2018/hyperlinkcolor" xmlns:p15="http://schemas.microsoft.com/office/powerpoint/2012/main" xmlns:p14="http://schemas.microsoft.com/office/powerpoint/2010/main" xmlns:com="http://schemas.openxmlformats.org/drawingml/2006/compatibility" xmlns:pvml="urn:schemas-microsoft-com:office:powerpoint" xmlns:v="urn:schemas-microsoft-com:vml" xmlns:o="urn:schemas-microsoft-com:office:office" xmlns:dgm="http://schemas.openxmlformats.org/drawingml/2006/diagram" xmlns:c="http://schemas.openxmlformats.org/drawingml/2006/chart" xmlns:mv="urn:schemas-microsoft-com:mac:vml" xmlns:mc="http://schemas.openxmlformats.org/markup-compatibility/2006" xmlns="" r:id="rId27" roundtripDataSignature="AMtx7mjWNO5+6nN2t+5bYFRF1hghof9MuA=="/>
+      <go:slidesCustomData xmlns="" xmlns:mc="http://schemas.openxmlformats.org/markup-compatibility/2006" xmlns:mv="urn:schemas-microsoft-com:mac:vml" xmlns:c="http://schemas.openxmlformats.org/drawingml/2006/chart" xmlns:dgm="http://schemas.openxmlformats.org/drawingml/2006/diagram" xmlns:o="urn:schemas-microsoft-com:office:office" xmlns:v="urn:schemas-microsoft-com:vml" xmlns:pvml="urn:schemas-microsoft-com:office:powerpoint" xmlns:com="http://schemas.openxmlformats.org/drawingml/2006/compatibility" xmlns:p14="http://schemas.microsoft.com/office/powerpoint/2010/main" xmlns:p15="http://schemas.microsoft.com/office/powerpoint/2012/main" xmlns:ahyp="http://schemas.microsoft.com/office/drawing/2018/hyperlinkcolor" xmlns:go="http://customooxmlschemas.google.com/" r:id="rId27" roundtripDataSignature="AMtx7mjWNO5+6nN2t+5bYFRF1hghof9MuA=="/>
     </p:ext>
   </p:extLst>
 </p:presentation>
@@ -919,10 +919,10 @@
               <a:buNone/>
             </a:pPr>
             <a:r>
-              <a:rPr lang="es-CL"/>
-              <a:t>Felipe Canto</a:t>
+              <a:rPr lang="es-ES" dirty="0"/>
+              <a:t>Diego Saavedra</a:t>
             </a:r>
-            <a:endParaRPr/>
+            <a:endParaRPr dirty="0"/>
           </a:p>
         </p:txBody>
       </p:sp>
@@ -1238,6 +1238,76 @@
 </file>
 
 <file path=ppt/notesSlides/notesSlide12.xml><?xml version="1.0" encoding="utf-8"?>
+<p:notes xmlns:a="http://schemas.openxmlformats.org/drawingml/2006/main" xmlns:r="http://schemas.openxmlformats.org/officeDocument/2006/relationships" xmlns:p="http://schemas.openxmlformats.org/presentationml/2006/main">
+  <p:cSld>
+    <p:spTree>
+      <p:nvGrpSpPr>
+        <p:cNvPr id="1" name=""/>
+        <p:cNvGrpSpPr/>
+        <p:nvPr/>
+      </p:nvGrpSpPr>
+      <p:grpSpPr>
+        <a:xfrm>
+          <a:off x="0" y="0"/>
+          <a:ext cx="0" cy="0"/>
+          <a:chOff x="0" y="0"/>
+          <a:chExt cx="0" cy="0"/>
+        </a:xfrm>
+      </p:grpSpPr>
+      <p:sp>
+        <p:nvSpPr>
+          <p:cNvPr id="2" name="Marcador de imagen de diapositiva 1"/>
+          <p:cNvSpPr>
+            <a:spLocks noGrp="1" noRot="1" noChangeAspect="1"/>
+          </p:cNvSpPr>
+          <p:nvPr>
+            <p:ph type="sldImg"/>
+          </p:nvPr>
+        </p:nvSpPr>
+        <p:spPr>
+          <a:xfrm>
+            <a:off x="381000" y="685800"/>
+            <a:ext cx="6096000" cy="3429000"/>
+          </a:xfrm>
+        </p:spPr>
+      </p:sp>
+      <p:sp>
+        <p:nvSpPr>
+          <p:cNvPr id="3" name="Marcador de notas 2"/>
+          <p:cNvSpPr>
+            <a:spLocks noGrp="1"/>
+          </p:cNvSpPr>
+          <p:nvPr>
+            <p:ph type="body" idx="1"/>
+          </p:nvPr>
+        </p:nvSpPr>
+        <p:spPr/>
+        <p:txBody>
+          <a:bodyPr/>
+          <a:lstStyle/>
+          <a:p>
+            <a:r>
+              <a:rPr lang="es-ES" dirty="0"/>
+              <a:t>Felipe Canto</a:t>
+            </a:r>
+            <a:endParaRPr lang="es-CL" dirty="0"/>
+          </a:p>
+        </p:txBody>
+      </p:sp>
+    </p:spTree>
+    <p:extLst>
+      <p:ext uri="{BB962C8B-B14F-4D97-AF65-F5344CB8AC3E}">
+        <p14:creationId xmlns:p14="http://schemas.microsoft.com/office/powerpoint/2010/main" val="1026475288"/>
+      </p:ext>
+    </p:extLst>
+  </p:cSld>
+  <p:clrMapOvr>
+    <a:masterClrMapping/>
+  </p:clrMapOvr>
+</p:notes>
+</file>
+
+<file path=ppt/notesSlides/notesSlide13.xml><?xml version="1.0" encoding="utf-8"?>
 <p:notes xmlns:a="http://schemas.openxmlformats.org/drawingml/2006/main" xmlns:r="http://schemas.openxmlformats.org/officeDocument/2006/relationships" xmlns:p="http://schemas.openxmlformats.org/presentationml/2006/main" showMasterSp="0" showMasterPhAnim="0">
   <p:cSld>
     <p:spTree>
@@ -1297,10 +1367,10 @@
               <a:buNone/>
             </a:pPr>
             <a:r>
-              <a:rPr lang="es-CL"/>
+              <a:rPr lang="es-CL" dirty="0"/>
               <a:t>Diego Saavedra</a:t>
             </a:r>
-            <a:endParaRPr/>
+            <a:endParaRPr dirty="0"/>
           </a:p>
         </p:txBody>
       </p:sp>
@@ -1363,7 +1433,7 @@
 </p:notes>
 </file>
 
-<file path=ppt/notesSlides/notesSlide13.xml><?xml version="1.0" encoding="utf-8"?>
+<file path=ppt/notesSlides/notesSlide14.xml><?xml version="1.0" encoding="utf-8"?>
 <p:notes xmlns:a="http://schemas.openxmlformats.org/drawingml/2006/main" xmlns:r="http://schemas.openxmlformats.org/officeDocument/2006/relationships" xmlns:p="http://schemas.openxmlformats.org/presentationml/2006/main" showMasterSp="0" showMasterPhAnim="0">
   <p:cSld>
     <p:spTree>
@@ -1512,7 +1582,7 @@
 </p:notes>
 </file>
 
-<file path=ppt/notesSlides/notesSlide14.xml><?xml version="1.0" encoding="utf-8"?>
+<file path=ppt/notesSlides/notesSlide15.xml><?xml version="1.0" encoding="utf-8"?>
 <p:notes xmlns:a="http://schemas.openxmlformats.org/drawingml/2006/main" xmlns:r="http://schemas.openxmlformats.org/officeDocument/2006/relationships" xmlns:p="http://schemas.openxmlformats.org/presentationml/2006/main" showMasterSp="0" showMasterPhAnim="0">
   <p:cSld>
     <p:spTree>
@@ -1661,7 +1731,7 @@
 </p:notes>
 </file>
 
-<file path=ppt/notesSlides/notesSlide15.xml><?xml version="1.0" encoding="utf-8"?>
+<file path=ppt/notesSlides/notesSlide16.xml><?xml version="1.0" encoding="utf-8"?>
 <p:notes xmlns:a="http://schemas.openxmlformats.org/drawingml/2006/main" xmlns:r="http://schemas.openxmlformats.org/officeDocument/2006/relationships" xmlns:p="http://schemas.openxmlformats.org/presentationml/2006/main" showMasterSp="0" showMasterPhAnim="0">
   <p:cSld>
     <p:spTree>
@@ -1870,10 +1940,10 @@
               <a:buNone/>
             </a:pPr>
             <a:r>
-              <a:rPr lang="es-CL"/>
-              <a:t>Felipe Canto</a:t>
+              <a:rPr lang="es-ES" dirty="0"/>
+              <a:t>Diego Saavedra</a:t>
             </a:r>
-            <a:endParaRPr/>
+            <a:endParaRPr dirty="0"/>
           </a:p>
         </p:txBody>
       </p:sp>
@@ -2122,10 +2192,10 @@
               <a:buNone/>
             </a:pPr>
             <a:r>
-              <a:rPr lang="es-CL"/>
+              <a:rPr lang="es-CL" dirty="0"/>
               <a:t>Felipe Canto</a:t>
             </a:r>
-            <a:endParaRPr/>
+            <a:endParaRPr dirty="0"/>
           </a:p>
         </p:txBody>
       </p:sp>
@@ -12455,7 +12525,7 @@
         </p:nvSpPr>
         <p:spPr>
           <a:xfrm>
-            <a:off x="2891935" y="961495"/>
+            <a:off x="3692035" y="923395"/>
             <a:ext cx="10251600" cy="713700"/>
           </a:xfrm>
         </p:spPr>
@@ -12474,32 +12544,49 @@
       </p:sp>
       <p:pic>
         <p:nvPicPr>
-          <p:cNvPr id="5" name="Imagen 4">
+          <p:cNvPr id="1026" name="Picture 2">
             <a:extLst>
               <a:ext uri="{FF2B5EF4-FFF2-40B4-BE49-F238E27FC236}">
-                <a16:creationId xmlns:a16="http://schemas.microsoft.com/office/drawing/2014/main" id="{7B038D19-FD1B-FE0C-6E5E-B58483CB0AD1}"/>
+                <a16:creationId xmlns:a16="http://schemas.microsoft.com/office/drawing/2014/main" id="{6CAEFA2A-0CC8-22AE-3DF6-1E395BA4258E}"/>
               </a:ext>
             </a:extLst>
           </p:cNvPr>
           <p:cNvPicPr>
-            <a:picLocks noChangeAspect="1"/>
+            <a:picLocks noChangeAspect="1" noChangeArrowheads="1"/>
           </p:cNvPicPr>
           <p:nvPr/>
         </p:nvPicPr>
         <p:blipFill>
-          <a:blip r:embed="rId2"/>
+          <a:blip r:embed="rId3">
+            <a:extLst>
+              <a:ext uri="{28A0092B-C50C-407E-A947-70E740481C1C}">
+                <a14:useLocalDpi xmlns:a14="http://schemas.microsoft.com/office/drawing/2010/main" val="0"/>
+              </a:ext>
+            </a:extLst>
+          </a:blip>
+          <a:srcRect/>
           <a:stretch>
             <a:fillRect/>
           </a:stretch>
         </p:blipFill>
-        <p:spPr>
+        <p:spPr bwMode="auto">
           <a:xfrm>
-            <a:off x="1305446" y="2155028"/>
-            <a:ext cx="8951495" cy="4036351"/>
+            <a:off x="1666875" y="1845296"/>
+            <a:ext cx="9115425" cy="4376117"/>
           </a:xfrm>
           <a:prstGeom prst="rect">
             <a:avLst/>
           </a:prstGeom>
+          <a:noFill/>
+          <a:extLst>
+            <a:ext uri="{909E8E84-426E-40DD-AFC4-6F175D3DCCD1}">
+              <a14:hiddenFill xmlns:a14="http://schemas.microsoft.com/office/drawing/2010/main">
+                <a:solidFill>
+                  <a:srgbClr val="FFFFFF"/>
+                </a:solidFill>
+              </a14:hiddenFill>
+            </a:ext>
+          </a:extLst>
         </p:spPr>
       </p:pic>
     </p:spTree>
@@ -14752,7 +14839,7 @@
                 <a:buNone/>
               </a:pPr>
               <a:r>
-                <a:rPr lang="es-CL" sz="2600" b="0" i="0" u="none" strike="noStrike" cap="none">
+                <a:rPr lang="es-CL" sz="2600" b="0" i="0" u="none" strike="noStrike" cap="none" dirty="0">
                   <a:solidFill>
                     <a:schemeClr val="lt1"/>
                   </a:solidFill>
@@ -14763,7 +14850,7 @@
                 </a:rPr>
                 <a:t>Felipe Canto</a:t>
               </a:r>
-              <a:endParaRPr sz="2600" b="0" i="0" u="none" strike="noStrike" cap="none">
+              <a:endParaRPr sz="2600" b="0" i="0" u="none" strike="noStrike" cap="none" dirty="0">
                 <a:solidFill>
                   <a:schemeClr val="lt1"/>
                 </a:solidFill>
@@ -14792,7 +14879,7 @@
                 <a:buChar char="•"/>
               </a:pPr>
               <a:r>
-                <a:rPr lang="es-CL" sz="2000" b="0" i="0" u="none" strike="noStrike" cap="none">
+                <a:rPr lang="es-CL" sz="2000" b="0" i="0" u="none" strike="noStrike" cap="none" dirty="0">
                   <a:solidFill>
                     <a:schemeClr val="lt1"/>
                   </a:solidFill>
@@ -14803,7 +14890,7 @@
                 </a:rPr>
                 <a:t>Programador </a:t>
               </a:r>
-              <a:endParaRPr sz="2000" b="0" i="0" u="none" strike="noStrike" cap="none">
+              <a:endParaRPr sz="2000" b="0" i="0" u="none" strike="noStrike" cap="none" dirty="0">
                 <a:solidFill>
                   <a:schemeClr val="lt1"/>
                 </a:solidFill>
@@ -14832,7 +14919,7 @@
                 <a:buChar char="•"/>
               </a:pPr>
               <a:r>
-                <a:rPr lang="es-CL" sz="2000">
+                <a:rPr lang="es-CL" sz="2000" dirty="0" err="1">
                   <a:solidFill>
                     <a:schemeClr val="lt1"/>
                   </a:solidFill>
@@ -14841,9 +14928,33 @@
                   <a:cs typeface="Calibri"/>
                   <a:sym typeface="Calibri"/>
                 </a:rPr>
-                <a:t>Product Owner</a:t>
+                <a:t>Product</a:t>
               </a:r>
-              <a:endParaRPr sz="2000">
+              <a:r>
+                <a:rPr lang="es-CL" sz="2000" dirty="0">
+                  <a:solidFill>
+                    <a:schemeClr val="lt1"/>
+                  </a:solidFill>
+                  <a:latin typeface="Calibri"/>
+                  <a:ea typeface="Calibri"/>
+                  <a:cs typeface="Calibri"/>
+                  <a:sym typeface="Calibri"/>
+                </a:rPr>
+                <a:t> </a:t>
+              </a:r>
+              <a:r>
+                <a:rPr lang="es-CL" sz="2000" dirty="0" err="1">
+                  <a:solidFill>
+                    <a:schemeClr val="lt1"/>
+                  </a:solidFill>
+                  <a:latin typeface="Calibri"/>
+                  <a:ea typeface="Calibri"/>
+                  <a:cs typeface="Calibri"/>
+                  <a:sym typeface="Calibri"/>
+                </a:rPr>
+                <a:t>Owner</a:t>
+              </a:r>
+              <a:endParaRPr sz="2000" dirty="0">
                 <a:solidFill>
                   <a:schemeClr val="lt1"/>
                 </a:solidFill>
